--- a/GesturePresentation.pptx
+++ b/GesturePresentation.pptx
@@ -7,12 +7,10 @@
   <p:sldIdLst>
     <p:sldId id="256" r:id="rId2"/>
     <p:sldId id="260" r:id="rId3"/>
-    <p:sldId id="257" r:id="rId4"/>
-    <p:sldId id="258" r:id="rId5"/>
-    <p:sldId id="261" r:id="rId6"/>
-    <p:sldId id="263" r:id="rId7"/>
-    <p:sldId id="262" r:id="rId8"/>
-    <p:sldId id="264" r:id="rId9"/>
+    <p:sldId id="258" r:id="rId4"/>
+    <p:sldId id="261" r:id="rId5"/>
+    <p:sldId id="265" r:id="rId6"/>
+    <p:sldId id="264" r:id="rId7"/>
   </p:sldIdLst>
   <p:sldSz cx="12192000" cy="6858000"/>
   <p:notesSz cx="6858000" cy="9144000"/>
@@ -111,6 +109,25 @@
       </a:defRPr>
     </a:lvl9pPr>
   </p:defaultTextStyle>
+  <p:extLst>
+    <p:ext uri="{521415D9-36F7-43E2-AB2F-B90AF26B5E84}">
+      <p14:sectionLst xmlns:p14="http://schemas.microsoft.com/office/powerpoint/2010/main">
+        <p14:section name="Default Section" id="{77C75B56-CC51-44D4-ACEA-E3FDD69A88F2}">
+          <p14:sldIdLst>
+            <p14:sldId id="256"/>
+            <p14:sldId id="260"/>
+            <p14:sldId id="258"/>
+            <p14:sldId id="261"/>
+            <p14:sldId id="265"/>
+            <p14:sldId id="264"/>
+          </p14:sldIdLst>
+        </p14:section>
+      </p14:sectionLst>
+    </p:ext>
+    <p:ext uri="{EFAFB233-063F-42B5-8137-9DF3F51BA10A}">
+      <p15:sldGuideLst xmlns:p15="http://schemas.microsoft.com/office/powerpoint/2012/main"/>
+    </p:ext>
+  </p:extLst>
 </p:presentation>
 </file>
 
@@ -282,7 +299,7 @@
           <a:p>
             <a:fld id="{F849F088-AD06-4498-9BA6-D5DDC9DE9DD1}" type="datetimeFigureOut">
               <a:rPr lang="en-IE" smtClean="0"/>
-              <a:t>01/04/2019</a:t>
+              <a:t>04/04/2019</a:t>
             </a:fld>
             <a:endParaRPr lang="en-IE"/>
           </a:p>
@@ -510,7 +527,7 @@
           <a:p>
             <a:fld id="{F849F088-AD06-4498-9BA6-D5DDC9DE9DD1}" type="datetimeFigureOut">
               <a:rPr lang="en-IE" smtClean="0"/>
-              <a:t>01/04/2019</a:t>
+              <a:t>04/04/2019</a:t>
             </a:fld>
             <a:endParaRPr lang="en-IE"/>
           </a:p>
@@ -690,7 +707,7 @@
           <a:p>
             <a:fld id="{F849F088-AD06-4498-9BA6-D5DDC9DE9DD1}" type="datetimeFigureOut">
               <a:rPr lang="en-IE" smtClean="0"/>
-              <a:t>01/04/2019</a:t>
+              <a:t>04/04/2019</a:t>
             </a:fld>
             <a:endParaRPr lang="en-IE"/>
           </a:p>
@@ -860,7 +877,7 @@
           <a:p>
             <a:fld id="{F849F088-AD06-4498-9BA6-D5DDC9DE9DD1}" type="datetimeFigureOut">
               <a:rPr lang="en-IE" smtClean="0"/>
-              <a:t>01/04/2019</a:t>
+              <a:t>04/04/2019</a:t>
             </a:fld>
             <a:endParaRPr lang="en-IE"/>
           </a:p>
@@ -1114,7 +1131,7 @@
           <a:p>
             <a:fld id="{F849F088-AD06-4498-9BA6-D5DDC9DE9DD1}" type="datetimeFigureOut">
               <a:rPr lang="en-IE" smtClean="0"/>
-              <a:t>01/04/2019</a:t>
+              <a:t>04/04/2019</a:t>
             </a:fld>
             <a:endParaRPr lang="en-IE"/>
           </a:p>
@@ -1440,7 +1457,7 @@
           <a:p>
             <a:fld id="{F849F088-AD06-4498-9BA6-D5DDC9DE9DD1}" type="datetimeFigureOut">
               <a:rPr lang="en-IE" smtClean="0"/>
-              <a:t>01/04/2019</a:t>
+              <a:t>04/04/2019</a:t>
             </a:fld>
             <a:endParaRPr lang="en-IE"/>
           </a:p>
@@ -1891,7 +1908,7 @@
           <a:p>
             <a:fld id="{F849F088-AD06-4498-9BA6-D5DDC9DE9DD1}" type="datetimeFigureOut">
               <a:rPr lang="en-IE" smtClean="0"/>
-              <a:t>01/04/2019</a:t>
+              <a:t>04/04/2019</a:t>
             </a:fld>
             <a:endParaRPr lang="en-IE"/>
           </a:p>
@@ -2009,7 +2026,7 @@
           <a:p>
             <a:fld id="{F849F088-AD06-4498-9BA6-D5DDC9DE9DD1}" type="datetimeFigureOut">
               <a:rPr lang="en-IE" smtClean="0"/>
-              <a:t>01/04/2019</a:t>
+              <a:t>04/04/2019</a:t>
             </a:fld>
             <a:endParaRPr lang="en-IE"/>
           </a:p>
@@ -2104,7 +2121,7 @@
           <a:p>
             <a:fld id="{F849F088-AD06-4498-9BA6-D5DDC9DE9DD1}" type="datetimeFigureOut">
               <a:rPr lang="en-IE" smtClean="0"/>
-              <a:t>01/04/2019</a:t>
+              <a:t>04/04/2019</a:t>
             </a:fld>
             <a:endParaRPr lang="en-IE"/>
           </a:p>
@@ -2391,7 +2408,7 @@
           <a:p>
             <a:fld id="{F849F088-AD06-4498-9BA6-D5DDC9DE9DD1}" type="datetimeFigureOut">
               <a:rPr lang="en-IE" smtClean="0"/>
-              <a:t>01/04/2019</a:t>
+              <a:t>04/04/2019</a:t>
             </a:fld>
             <a:endParaRPr lang="en-IE"/>
           </a:p>
@@ -2713,7 +2730,7 @@
           <a:p>
             <a:fld id="{F849F088-AD06-4498-9BA6-D5DDC9DE9DD1}" type="datetimeFigureOut">
               <a:rPr lang="en-IE" smtClean="0"/>
-              <a:t>01/04/2019</a:t>
+              <a:t>04/04/2019</a:t>
             </a:fld>
             <a:endParaRPr lang="en-IE"/>
           </a:p>
@@ -2967,7 +2984,7 @@
           <a:p>
             <a:fld id="{F849F088-AD06-4498-9BA6-D5DDC9DE9DD1}" type="datetimeFigureOut">
               <a:rPr lang="en-IE" smtClean="0"/>
-              <a:t>01/04/2019</a:t>
+              <a:t>04/04/2019</a:t>
             </a:fld>
             <a:endParaRPr lang="en-IE"/>
           </a:p>
@@ -3651,86 +3668,6 @@
           <p:cNvPr id="2" name="Title 1">
             <a:extLst>
               <a:ext uri="{FF2B5EF4-FFF2-40B4-BE49-F238E27FC236}">
-                <a16:creationId xmlns:a16="http://schemas.microsoft.com/office/drawing/2014/main" id="{A3FE3274-4094-457F-A569-C521FE1E5332}"/>
-              </a:ext>
-            </a:extLst>
-          </p:cNvPr>
-          <p:cNvSpPr>
-            <a:spLocks noGrp="1"/>
-          </p:cNvSpPr>
-          <p:nvPr>
-            <p:ph type="title"/>
-          </p:nvPr>
-        </p:nvSpPr>
-        <p:spPr/>
-        <p:txBody>
-          <a:bodyPr/>
-          <a:lstStyle/>
-          <a:p>
-            <a:endParaRPr lang="en-IE"/>
-          </a:p>
-        </p:txBody>
-      </p:sp>
-      <p:sp>
-        <p:nvSpPr>
-          <p:cNvPr id="3" name="Content Placeholder 2">
-            <a:extLst>
-              <a:ext uri="{FF2B5EF4-FFF2-40B4-BE49-F238E27FC236}">
-                <a16:creationId xmlns:a16="http://schemas.microsoft.com/office/drawing/2014/main" id="{97C8ADBE-05C4-4F25-A9E1-8E70832C7372}"/>
-              </a:ext>
-            </a:extLst>
-          </p:cNvPr>
-          <p:cNvSpPr>
-            <a:spLocks noGrp="1"/>
-          </p:cNvSpPr>
-          <p:nvPr>
-            <p:ph idx="1"/>
-          </p:nvPr>
-        </p:nvSpPr>
-        <p:spPr/>
-        <p:txBody>
-          <a:bodyPr/>
-          <a:lstStyle/>
-          <a:p>
-            <a:endParaRPr lang="en-IE"/>
-          </a:p>
-        </p:txBody>
-      </p:sp>
-    </p:spTree>
-    <p:extLst>
-      <p:ext uri="{BB962C8B-B14F-4D97-AF65-F5344CB8AC3E}">
-        <p14:creationId xmlns:p14="http://schemas.microsoft.com/office/powerpoint/2010/main" val="1217039450"/>
-      </p:ext>
-    </p:extLst>
-  </p:cSld>
-  <p:clrMapOvr>
-    <a:masterClrMapping/>
-  </p:clrMapOvr>
-</p:sld>
-</file>
-
-<file path=ppt/slides/slide4.xml><?xml version="1.0" encoding="utf-8"?>
-<p:sld xmlns:a="http://schemas.openxmlformats.org/drawingml/2006/main" xmlns:r="http://schemas.openxmlformats.org/officeDocument/2006/relationships" xmlns:p="http://schemas.openxmlformats.org/presentationml/2006/main">
-  <p:cSld>
-    <p:spTree>
-      <p:nvGrpSpPr>
-        <p:cNvPr id="1" name=""/>
-        <p:cNvGrpSpPr/>
-        <p:nvPr/>
-      </p:nvGrpSpPr>
-      <p:grpSpPr>
-        <a:xfrm>
-          <a:off x="0" y="0"/>
-          <a:ext cx="0" cy="0"/>
-          <a:chOff x="0" y="0"/>
-          <a:chExt cx="0" cy="0"/>
-        </a:xfrm>
-      </p:grpSpPr>
-      <p:sp>
-        <p:nvSpPr>
-          <p:cNvPr id="2" name="Title 1">
-            <a:extLst>
-              <a:ext uri="{FF2B5EF4-FFF2-40B4-BE49-F238E27FC236}">
                 <a16:creationId xmlns:a16="http://schemas.microsoft.com/office/drawing/2014/main" id="{A481C39A-BE4B-4D7E-9D8E-6E3B8CAE93E6}"/>
               </a:ext>
             </a:extLst>
@@ -3860,6 +3797,185 @@
 </p:sld>
 </file>
 
+<file path=ppt/slides/slide4.xml><?xml version="1.0" encoding="utf-8"?>
+<p:sld xmlns:a="http://schemas.openxmlformats.org/drawingml/2006/main" xmlns:r="http://schemas.openxmlformats.org/officeDocument/2006/relationships" xmlns:p="http://schemas.openxmlformats.org/presentationml/2006/main">
+  <p:cSld>
+    <p:spTree>
+      <p:nvGrpSpPr>
+        <p:cNvPr id="1" name=""/>
+        <p:cNvGrpSpPr/>
+        <p:nvPr/>
+      </p:nvGrpSpPr>
+      <p:grpSpPr>
+        <a:xfrm>
+          <a:off x="0" y="0"/>
+          <a:ext cx="0" cy="0"/>
+          <a:chOff x="0" y="0"/>
+          <a:chExt cx="0" cy="0"/>
+        </a:xfrm>
+      </p:grpSpPr>
+      <p:sp>
+        <p:nvSpPr>
+          <p:cNvPr id="2" name="Title 1">
+            <a:extLst>
+              <a:ext uri="{FF2B5EF4-FFF2-40B4-BE49-F238E27FC236}">
+                <a16:creationId xmlns:a16="http://schemas.microsoft.com/office/drawing/2014/main" id="{E92E9F9D-AAA0-40B7-B753-A8F692A34E82}"/>
+              </a:ext>
+            </a:extLst>
+          </p:cNvPr>
+          <p:cNvSpPr>
+            <a:spLocks noGrp="1"/>
+          </p:cNvSpPr>
+          <p:nvPr>
+            <p:ph type="title"/>
+          </p:nvPr>
+        </p:nvSpPr>
+        <p:spPr>
+          <a:xfrm>
+            <a:off x="1261872" y="171133"/>
+            <a:ext cx="9692640" cy="1013459"/>
+          </a:xfrm>
+        </p:spPr>
+        <p:txBody>
+          <a:bodyPr>
+            <a:normAutofit/>
+          </a:bodyPr>
+          <a:lstStyle/>
+          <a:p>
+            <a:r>
+              <a:rPr lang="en-IE" dirty="0"/>
+              <a:t>Process of development </a:t>
+            </a:r>
+          </a:p>
+        </p:txBody>
+      </p:sp>
+      <p:sp>
+        <p:nvSpPr>
+          <p:cNvPr id="3" name="Content Placeholder 2">
+            <a:extLst>
+              <a:ext uri="{FF2B5EF4-FFF2-40B4-BE49-F238E27FC236}">
+                <a16:creationId xmlns:a16="http://schemas.microsoft.com/office/drawing/2014/main" id="{8F10170C-9808-4449-942A-261B03860B6F}"/>
+              </a:ext>
+            </a:extLst>
+          </p:cNvPr>
+          <p:cNvSpPr>
+            <a:spLocks noGrp="1"/>
+          </p:cNvSpPr>
+          <p:nvPr>
+            <p:ph idx="1"/>
+          </p:nvPr>
+        </p:nvSpPr>
+        <p:spPr/>
+        <p:txBody>
+          <a:bodyPr/>
+          <a:lstStyle/>
+          <a:p>
+            <a:pPr marL="342900" indent="-342900">
+              <a:buFont typeface="+mj-lt"/>
+              <a:buAutoNum type="arabicPeriod"/>
+            </a:pPr>
+            <a:r>
+              <a:rPr lang="en-IE" dirty="0"/>
+              <a:t>Research the capabilities and responsiveness of the hardware being used.</a:t>
+            </a:r>
+          </a:p>
+          <a:p>
+            <a:pPr marL="342900" indent="-342900">
+              <a:buFont typeface="+mj-lt"/>
+              <a:buAutoNum type="arabicPeriod"/>
+            </a:pPr>
+            <a:r>
+              <a:rPr lang="en-IE" dirty="0"/>
+              <a:t>Research the suitability of gestures for certain actions.</a:t>
+            </a:r>
+          </a:p>
+          <a:p>
+            <a:pPr marL="342900" indent="-342900">
+              <a:buFont typeface="+mj-lt"/>
+              <a:buAutoNum type="arabicPeriod"/>
+            </a:pPr>
+            <a:r>
+              <a:rPr lang="en-IE" dirty="0"/>
+              <a:t>Determine what inputs the application requires in order to function.</a:t>
+            </a:r>
+          </a:p>
+          <a:p>
+            <a:pPr marL="342900" indent="-342900">
+              <a:buFont typeface="+mj-lt"/>
+              <a:buAutoNum type="arabicPeriod"/>
+            </a:pPr>
+            <a:r>
+              <a:rPr lang="en-IE" dirty="0"/>
+              <a:t>Layout basic architecture of solution.</a:t>
+            </a:r>
+          </a:p>
+          <a:p>
+            <a:pPr marL="342900" indent="-342900">
+              <a:buFont typeface="+mj-lt"/>
+              <a:buAutoNum type="arabicPeriod"/>
+            </a:pPr>
+            <a:r>
+              <a:rPr lang="en-IE" dirty="0"/>
+              <a:t>Determine what gestures would be suitable for each action.</a:t>
+            </a:r>
+          </a:p>
+          <a:p>
+            <a:pPr marL="342900" indent="-342900">
+              <a:buFont typeface="+mj-lt"/>
+              <a:buAutoNum type="arabicPeriod"/>
+            </a:pPr>
+            <a:endParaRPr lang="en-IE" dirty="0"/>
+          </a:p>
+        </p:txBody>
+      </p:sp>
+      <p:sp>
+        <p:nvSpPr>
+          <p:cNvPr id="4" name="TextBox 3">
+            <a:extLst>
+              <a:ext uri="{FF2B5EF4-FFF2-40B4-BE49-F238E27FC236}">
+                <a16:creationId xmlns:a16="http://schemas.microsoft.com/office/drawing/2014/main" id="{5D5B896C-1FD0-4302-91D1-AFA39D8CC3AA}"/>
+              </a:ext>
+            </a:extLst>
+          </p:cNvPr>
+          <p:cNvSpPr txBox="1"/>
+          <p:nvPr/>
+        </p:nvSpPr>
+        <p:spPr>
+          <a:xfrm>
+            <a:off x="1261872" y="1322030"/>
+            <a:ext cx="8595360" cy="369332"/>
+          </a:xfrm>
+          <a:prstGeom prst="rect">
+            <a:avLst/>
+          </a:prstGeom>
+          <a:noFill/>
+        </p:spPr>
+        <p:txBody>
+          <a:bodyPr wrap="square" rtlCol="0">
+            <a:spAutoFit/>
+          </a:bodyPr>
+          <a:lstStyle/>
+          <a:p>
+            <a:r>
+              <a:rPr lang="en-IE" b="1" dirty="0"/>
+              <a:t>Planning</a:t>
+            </a:r>
+          </a:p>
+        </p:txBody>
+      </p:sp>
+    </p:spTree>
+    <p:extLst>
+      <p:ext uri="{BB962C8B-B14F-4D97-AF65-F5344CB8AC3E}">
+        <p14:creationId xmlns:p14="http://schemas.microsoft.com/office/powerpoint/2010/main" val="678858881"/>
+      </p:ext>
+    </p:extLst>
+  </p:cSld>
+  <p:clrMapOvr>
+    <a:masterClrMapping/>
+  </p:clrMapOvr>
+</p:sld>
+</file>
+
 <file path=ppt/slides/slide5.xml><?xml version="1.0" encoding="utf-8"?>
 <p:sld xmlns:a="http://schemas.openxmlformats.org/drawingml/2006/main" xmlns:r="http://schemas.openxmlformats.org/officeDocument/2006/relationships" xmlns:p="http://schemas.openxmlformats.org/presentationml/2006/main">
   <p:cSld>
@@ -3882,7 +3998,7 @@
           <p:cNvPr id="2" name="Title 1">
             <a:extLst>
               <a:ext uri="{FF2B5EF4-FFF2-40B4-BE49-F238E27FC236}">
-                <a16:creationId xmlns:a16="http://schemas.microsoft.com/office/drawing/2014/main" id="{E92E9F9D-AAA0-40B7-B753-A8F692A34E82}"/>
+                <a16:creationId xmlns:a16="http://schemas.microsoft.com/office/drawing/2014/main" id="{FF8B2BD8-D6A0-4EA8-9E16-A170AEE31BFF}"/>
               </a:ext>
             </a:extLst>
           </p:cNvPr>
@@ -3893,21 +4009,14 @@
             <p:ph type="title"/>
           </p:nvPr>
         </p:nvSpPr>
-        <p:spPr>
-          <a:xfrm>
-            <a:off x="1261872" y="171133"/>
-            <a:ext cx="9692640" cy="1013459"/>
-          </a:xfrm>
-        </p:spPr>
-        <p:txBody>
-          <a:bodyPr>
-            <a:normAutofit/>
-          </a:bodyPr>
+        <p:spPr/>
+        <p:txBody>
+          <a:bodyPr/>
           <a:lstStyle/>
           <a:p>
             <a:r>
               <a:rPr lang="en-IE" dirty="0"/>
-              <a:t>Process of development </a:t>
+              <a:t>Demonstration</a:t>
             </a:r>
           </a:p>
         </p:txBody>
@@ -3917,7 +4026,7 @@
           <p:cNvPr id="3" name="Content Placeholder 2">
             <a:extLst>
               <a:ext uri="{FF2B5EF4-FFF2-40B4-BE49-F238E27FC236}">
-                <a16:creationId xmlns:a16="http://schemas.microsoft.com/office/drawing/2014/main" id="{8F10170C-9808-4449-942A-261B03860B6F}"/>
+                <a16:creationId xmlns:a16="http://schemas.microsoft.com/office/drawing/2014/main" id="{0297533E-ACC8-49EC-AC87-3D12E9D63AF5}"/>
               </a:ext>
             </a:extLst>
           </p:cNvPr>
@@ -3933,103 +4042,14 @@
           <a:bodyPr/>
           <a:lstStyle/>
           <a:p>
-            <a:pPr marL="342900" indent="-342900">
-              <a:buFont typeface="+mj-lt"/>
-              <a:buAutoNum type="arabicPeriod"/>
-            </a:pPr>
-            <a:r>
-              <a:rPr lang="en-IE" dirty="0"/>
-              <a:t>Research the capabilities and responsiveness of the hardware being used.</a:t>
-            </a:r>
-          </a:p>
-          <a:p>
-            <a:pPr marL="342900" indent="-342900">
-              <a:buFont typeface="+mj-lt"/>
-              <a:buAutoNum type="arabicPeriod"/>
-            </a:pPr>
-            <a:r>
-              <a:rPr lang="en-IE" dirty="0"/>
-              <a:t>Research the suitability of gestures for certain actions.</a:t>
-            </a:r>
-          </a:p>
-          <a:p>
-            <a:pPr marL="342900" indent="-342900">
-              <a:buFont typeface="+mj-lt"/>
-              <a:buAutoNum type="arabicPeriod"/>
-            </a:pPr>
-            <a:r>
-              <a:rPr lang="en-IE" dirty="0"/>
-              <a:t>Determine what inputs the application requires in order to function.</a:t>
-            </a:r>
-          </a:p>
-          <a:p>
-            <a:pPr marL="342900" indent="-342900">
-              <a:buFont typeface="+mj-lt"/>
-              <a:buAutoNum type="arabicPeriod"/>
-            </a:pPr>
-            <a:r>
-              <a:rPr lang="en-IE" dirty="0"/>
-              <a:t>Layout basic architecture of solution.</a:t>
-            </a:r>
-          </a:p>
-          <a:p>
-            <a:pPr marL="342900" indent="-342900">
-              <a:buFont typeface="+mj-lt"/>
-              <a:buAutoNum type="arabicPeriod"/>
-            </a:pPr>
-            <a:r>
-              <a:rPr lang="en-IE" dirty="0"/>
-              <a:t>Determine what gestures would be suitable for each action.</a:t>
-            </a:r>
-          </a:p>
-          <a:p>
-            <a:pPr marL="342900" indent="-342900">
-              <a:buFont typeface="+mj-lt"/>
-              <a:buAutoNum type="arabicPeriod"/>
-            </a:pPr>
             <a:endParaRPr lang="en-IE" dirty="0"/>
-          </a:p>
-        </p:txBody>
-      </p:sp>
-      <p:sp>
-        <p:nvSpPr>
-          <p:cNvPr id="4" name="TextBox 3">
-            <a:extLst>
-              <a:ext uri="{FF2B5EF4-FFF2-40B4-BE49-F238E27FC236}">
-                <a16:creationId xmlns:a16="http://schemas.microsoft.com/office/drawing/2014/main" id="{5D5B896C-1FD0-4302-91D1-AFA39D8CC3AA}"/>
-              </a:ext>
-            </a:extLst>
-          </p:cNvPr>
-          <p:cNvSpPr txBox="1"/>
-          <p:nvPr/>
-        </p:nvSpPr>
-        <p:spPr>
-          <a:xfrm>
-            <a:off x="1261872" y="1322030"/>
-            <a:ext cx="8595360" cy="369332"/>
-          </a:xfrm>
-          <a:prstGeom prst="rect">
-            <a:avLst/>
-          </a:prstGeom>
-          <a:noFill/>
-        </p:spPr>
-        <p:txBody>
-          <a:bodyPr wrap="square" rtlCol="0">
-            <a:spAutoFit/>
-          </a:bodyPr>
-          <a:lstStyle/>
-          <a:p>
-            <a:r>
-              <a:rPr lang="en-IE" b="1" dirty="0"/>
-              <a:t>Planning</a:t>
-            </a:r>
           </a:p>
         </p:txBody>
       </p:sp>
     </p:spTree>
     <p:extLst>
       <p:ext uri="{BB962C8B-B14F-4D97-AF65-F5344CB8AC3E}">
-        <p14:creationId xmlns:p14="http://schemas.microsoft.com/office/powerpoint/2010/main" val="678858881"/>
+        <p14:creationId xmlns:p14="http://schemas.microsoft.com/office/powerpoint/2010/main" val="468131448"/>
       </p:ext>
     </p:extLst>
   </p:cSld>
@@ -4061,252 +4081,6 @@
           <p:cNvPr id="2" name="Title 1">
             <a:extLst>
               <a:ext uri="{FF2B5EF4-FFF2-40B4-BE49-F238E27FC236}">
-                <a16:creationId xmlns:a16="http://schemas.microsoft.com/office/drawing/2014/main" id="{0161E141-F9F1-462E-8D48-FC1FDBCDE0E2}"/>
-              </a:ext>
-            </a:extLst>
-          </p:cNvPr>
-          <p:cNvSpPr>
-            <a:spLocks noGrp="1"/>
-          </p:cNvSpPr>
-          <p:nvPr>
-            <p:ph type="title"/>
-          </p:nvPr>
-        </p:nvSpPr>
-        <p:spPr>
-          <a:xfrm>
-            <a:off x="1261872" y="138487"/>
-            <a:ext cx="9692640" cy="905522"/>
-          </a:xfrm>
-        </p:spPr>
-        <p:txBody>
-          <a:bodyPr/>
-          <a:lstStyle/>
-          <a:p>
-            <a:endParaRPr lang="en-IE" dirty="0"/>
-          </a:p>
-        </p:txBody>
-      </p:sp>
-      <p:sp>
-        <p:nvSpPr>
-          <p:cNvPr id="3" name="Content Placeholder 2">
-            <a:extLst>
-              <a:ext uri="{FF2B5EF4-FFF2-40B4-BE49-F238E27FC236}">
-                <a16:creationId xmlns:a16="http://schemas.microsoft.com/office/drawing/2014/main" id="{9A9582E4-4F88-4677-9346-44B4AB928DC9}"/>
-              </a:ext>
-            </a:extLst>
-          </p:cNvPr>
-          <p:cNvSpPr>
-            <a:spLocks noGrp="1"/>
-          </p:cNvSpPr>
-          <p:nvPr>
-            <p:ph idx="1"/>
-          </p:nvPr>
-        </p:nvSpPr>
-        <p:spPr/>
-        <p:txBody>
-          <a:bodyPr/>
-          <a:lstStyle/>
-          <a:p>
-            <a:pPr marL="342900" indent="-342900">
-              <a:buFont typeface="+mj-lt"/>
-              <a:buAutoNum type="arabicPeriod"/>
-            </a:pPr>
-            <a:r>
-              <a:rPr lang="en-IE" dirty="0"/>
-              <a:t>Set up the game environment.</a:t>
-            </a:r>
-          </a:p>
-          <a:p>
-            <a:pPr marL="342900" indent="-342900">
-              <a:buFont typeface="+mj-lt"/>
-              <a:buAutoNum type="arabicPeriod"/>
-            </a:pPr>
-            <a:r>
-              <a:rPr lang="en-IE" dirty="0"/>
-              <a:t>Import MYO package.</a:t>
-            </a:r>
-          </a:p>
-          <a:p>
-            <a:pPr marL="342900" indent="-342900">
-              <a:buFont typeface="+mj-lt"/>
-              <a:buAutoNum type="arabicPeriod"/>
-            </a:pPr>
-            <a:r>
-              <a:rPr lang="en-IE" dirty="0"/>
-              <a:t>Test the MYO functionality with basic commands and responses.</a:t>
-            </a:r>
-          </a:p>
-          <a:p>
-            <a:pPr marL="342900" indent="-342900">
-              <a:buFont typeface="+mj-lt"/>
-              <a:buAutoNum type="arabicPeriod"/>
-            </a:pPr>
-            <a:r>
-              <a:rPr lang="en-IE" dirty="0"/>
-              <a:t>Using predetermined gestures to control the game.</a:t>
-            </a:r>
-          </a:p>
-          <a:p>
-            <a:pPr marL="0" indent="0">
-              <a:buNone/>
-            </a:pPr>
-            <a:endParaRPr lang="en-IE" dirty="0"/>
-          </a:p>
-        </p:txBody>
-      </p:sp>
-      <p:sp>
-        <p:nvSpPr>
-          <p:cNvPr id="4" name="TextBox 3">
-            <a:extLst>
-              <a:ext uri="{FF2B5EF4-FFF2-40B4-BE49-F238E27FC236}">
-                <a16:creationId xmlns:a16="http://schemas.microsoft.com/office/drawing/2014/main" id="{982F487D-5D10-47F4-A316-A220F8F5C06B}"/>
-              </a:ext>
-            </a:extLst>
-          </p:cNvPr>
-          <p:cNvSpPr txBox="1"/>
-          <p:nvPr/>
-        </p:nvSpPr>
-        <p:spPr>
-          <a:xfrm>
-            <a:off x="1261872" y="1251738"/>
-            <a:ext cx="6976606" cy="369332"/>
-          </a:xfrm>
-          <a:prstGeom prst="rect">
-            <a:avLst/>
-          </a:prstGeom>
-          <a:noFill/>
-        </p:spPr>
-        <p:txBody>
-          <a:bodyPr wrap="square" rtlCol="0">
-            <a:spAutoFit/>
-          </a:bodyPr>
-          <a:lstStyle/>
-          <a:p>
-            <a:r>
-              <a:rPr lang="en-IE" b="1" dirty="0"/>
-              <a:t>Implementation</a:t>
-            </a:r>
-          </a:p>
-        </p:txBody>
-      </p:sp>
-    </p:spTree>
-    <p:extLst>
-      <p:ext uri="{BB962C8B-B14F-4D97-AF65-F5344CB8AC3E}">
-        <p14:creationId xmlns:p14="http://schemas.microsoft.com/office/powerpoint/2010/main" val="3979319445"/>
-      </p:ext>
-    </p:extLst>
-  </p:cSld>
-  <p:clrMapOvr>
-    <a:masterClrMapping/>
-  </p:clrMapOvr>
-</p:sld>
-</file>
-
-<file path=ppt/slides/slide7.xml><?xml version="1.0" encoding="utf-8"?>
-<p:sld xmlns:a="http://schemas.openxmlformats.org/drawingml/2006/main" xmlns:r="http://schemas.openxmlformats.org/officeDocument/2006/relationships" xmlns:p="http://schemas.openxmlformats.org/presentationml/2006/main">
-  <p:cSld>
-    <p:spTree>
-      <p:nvGrpSpPr>
-        <p:cNvPr id="1" name=""/>
-        <p:cNvGrpSpPr/>
-        <p:nvPr/>
-      </p:nvGrpSpPr>
-      <p:grpSpPr>
-        <a:xfrm>
-          <a:off x="0" y="0"/>
-          <a:ext cx="0" cy="0"/>
-          <a:chOff x="0" y="0"/>
-          <a:chExt cx="0" cy="0"/>
-        </a:xfrm>
-      </p:grpSpPr>
-      <p:sp>
-        <p:nvSpPr>
-          <p:cNvPr id="2" name="Title 1">
-            <a:extLst>
-              <a:ext uri="{FF2B5EF4-FFF2-40B4-BE49-F238E27FC236}">
-                <a16:creationId xmlns:a16="http://schemas.microsoft.com/office/drawing/2014/main" id="{1E8BDA9B-3CD3-438D-BF59-2C93A4C0DDDE}"/>
-              </a:ext>
-            </a:extLst>
-          </p:cNvPr>
-          <p:cNvSpPr>
-            <a:spLocks noGrp="1"/>
-          </p:cNvSpPr>
-          <p:nvPr>
-            <p:ph type="title"/>
-          </p:nvPr>
-        </p:nvSpPr>
-        <p:spPr/>
-        <p:txBody>
-          <a:bodyPr/>
-          <a:lstStyle/>
-          <a:p>
-            <a:r>
-              <a:rPr lang="en-IE" dirty="0"/>
-              <a:t>Architecture for the solution</a:t>
-            </a:r>
-          </a:p>
-        </p:txBody>
-      </p:sp>
-      <p:sp>
-        <p:nvSpPr>
-          <p:cNvPr id="3" name="Content Placeholder 2">
-            <a:extLst>
-              <a:ext uri="{FF2B5EF4-FFF2-40B4-BE49-F238E27FC236}">
-                <a16:creationId xmlns:a16="http://schemas.microsoft.com/office/drawing/2014/main" id="{3A2C6E1A-9B18-4FBC-94A6-3815B9F363C1}"/>
-              </a:ext>
-            </a:extLst>
-          </p:cNvPr>
-          <p:cNvSpPr>
-            <a:spLocks noGrp="1"/>
-          </p:cNvSpPr>
-          <p:nvPr>
-            <p:ph idx="1"/>
-          </p:nvPr>
-        </p:nvSpPr>
-        <p:spPr/>
-        <p:txBody>
-          <a:bodyPr/>
-          <a:lstStyle/>
-          <a:p>
-            <a:endParaRPr lang="en-IE"/>
-          </a:p>
-        </p:txBody>
-      </p:sp>
-    </p:spTree>
-    <p:extLst>
-      <p:ext uri="{BB962C8B-B14F-4D97-AF65-F5344CB8AC3E}">
-        <p14:creationId xmlns:p14="http://schemas.microsoft.com/office/powerpoint/2010/main" val="2020751894"/>
-      </p:ext>
-    </p:extLst>
-  </p:cSld>
-  <p:clrMapOvr>
-    <a:masterClrMapping/>
-  </p:clrMapOvr>
-</p:sld>
-</file>
-
-<file path=ppt/slides/slide8.xml><?xml version="1.0" encoding="utf-8"?>
-<p:sld xmlns:a="http://schemas.openxmlformats.org/drawingml/2006/main" xmlns:r="http://schemas.openxmlformats.org/officeDocument/2006/relationships" xmlns:p="http://schemas.openxmlformats.org/presentationml/2006/main">
-  <p:cSld>
-    <p:spTree>
-      <p:nvGrpSpPr>
-        <p:cNvPr id="1" name=""/>
-        <p:cNvGrpSpPr/>
-        <p:nvPr/>
-      </p:nvGrpSpPr>
-      <p:grpSpPr>
-        <a:xfrm>
-          <a:off x="0" y="0"/>
-          <a:ext cx="0" cy="0"/>
-          <a:chOff x="0" y="0"/>
-          <a:chExt cx="0" cy="0"/>
-        </a:xfrm>
-      </p:grpSpPr>
-      <p:sp>
-        <p:nvSpPr>
-          <p:cNvPr id="2" name="Title 1">
-            <a:extLst>
-              <a:ext uri="{FF2B5EF4-FFF2-40B4-BE49-F238E27FC236}">
                 <a16:creationId xmlns:a16="http://schemas.microsoft.com/office/drawing/2014/main" id="{D7672697-D25E-4885-A6FD-06F6118B65AD}"/>
               </a:ext>
             </a:extLst>
@@ -4358,7 +4132,7 @@
           <a:bodyPr/>
           <a:lstStyle/>
           <a:p>
-            <a:endParaRPr lang="en-IE"/>
+            <a:endParaRPr lang="en-IE" dirty="0"/>
           </a:p>
         </p:txBody>
       </p:sp>

--- a/GesturePresentation.pptx
+++ b/GesturePresentation.pptx
@@ -6,11 +6,14 @@
   </p:sldMasterIdLst>
   <p:sldIdLst>
     <p:sldId id="256" r:id="rId2"/>
-    <p:sldId id="260" r:id="rId3"/>
+    <p:sldId id="267" r:id="rId3"/>
     <p:sldId id="266" r:id="rId4"/>
-    <p:sldId id="258" r:id="rId5"/>
-    <p:sldId id="265" r:id="rId6"/>
-    <p:sldId id="264" r:id="rId7"/>
+    <p:sldId id="260" r:id="rId5"/>
+    <p:sldId id="269" r:id="rId6"/>
+    <p:sldId id="258" r:id="rId7"/>
+    <p:sldId id="268" r:id="rId8"/>
+    <p:sldId id="265" r:id="rId9"/>
+    <p:sldId id="264" r:id="rId10"/>
   </p:sldIdLst>
   <p:sldSz cx="12192000" cy="6858000"/>
   <p:notesSz cx="6858000" cy="9144000"/>
@@ -115,9 +118,12 @@
         <p14:section name="Default Section" id="{77C75B56-CC51-44D4-ACEA-E3FDD69A88F2}">
           <p14:sldIdLst>
             <p14:sldId id="256"/>
+            <p14:sldId id="267"/>
+            <p14:sldId id="266"/>
             <p14:sldId id="260"/>
-            <p14:sldId id="266"/>
+            <p14:sldId id="269"/>
             <p14:sldId id="258"/>
+            <p14:sldId id="268"/>
             <p14:sldId id="265"/>
             <p14:sldId id="264"/>
           </p14:sldIdLst>
@@ -7799,7 +7805,7 @@
         </p:nvSpPr>
         <p:spPr>
           <a:xfrm>
-            <a:off x="3373062" y="1864865"/>
+            <a:off x="3190811" y="2925161"/>
             <a:ext cx="8131550" cy="2262781"/>
           </a:xfrm>
         </p:spPr>
@@ -7809,13 +7815,13 @@
           </a:bodyPr>
           <a:lstStyle/>
           <a:p>
-            <a:pPr>
+            <a:pPr algn="ctr">
               <a:lnSpc>
                 <a:spcPct val="90000"/>
               </a:lnSpc>
             </a:pPr>
             <a:r>
-              <a:rPr lang="en-IE" sz="5000"/>
+              <a:rPr lang="en-IE" sz="5000" dirty="0"/>
               <a:t>Pacman in Unity, controlled with a MYO armband</a:t>
             </a:r>
           </a:p>
@@ -7839,8 +7845,8 @@
         </p:nvSpPr>
         <p:spPr>
           <a:xfrm>
-            <a:off x="3373062" y="4127644"/>
-            <a:ext cx="8131550" cy="1126283"/>
+            <a:off x="5618620" y="6114932"/>
+            <a:ext cx="3275932" cy="491558"/>
           </a:xfrm>
         </p:spPr>
         <p:txBody>
@@ -10226,6 +10232,76 @@
           </a:ln>
         </p:spPr>
       </p:sp>
+      <p:sp>
+        <p:nvSpPr>
+          <p:cNvPr id="4" name="TextBox 3">
+            <a:extLst>
+              <a:ext uri="{FF2B5EF4-FFF2-40B4-BE49-F238E27FC236}">
+                <a16:creationId xmlns:a16="http://schemas.microsoft.com/office/drawing/2014/main" id="{F811F68F-D679-4BC8-9454-D30C0F1971E7}"/>
+              </a:ext>
+            </a:extLst>
+          </p:cNvPr>
+          <p:cNvSpPr txBox="1"/>
+          <p:nvPr/>
+        </p:nvSpPr>
+        <p:spPr>
+          <a:xfrm>
+            <a:off x="2792119" y="720198"/>
+            <a:ext cx="9610323" cy="769441"/>
+          </a:xfrm>
+          <a:prstGeom prst="rect">
+            <a:avLst/>
+          </a:prstGeom>
+          <a:noFill/>
+        </p:spPr>
+        <p:txBody>
+          <a:bodyPr wrap="none" rtlCol="0">
+            <a:spAutoFit/>
+          </a:bodyPr>
+          <a:lstStyle/>
+          <a:p>
+            <a:r>
+              <a:rPr lang="en-IE" sz="4400" i="1" dirty="0"/>
+              <a:t>“International Pacman of Mystery”</a:t>
+            </a:r>
+          </a:p>
+        </p:txBody>
+      </p:sp>
+      <p:sp>
+        <p:nvSpPr>
+          <p:cNvPr id="5" name="TextBox 4">
+            <a:extLst>
+              <a:ext uri="{FF2B5EF4-FFF2-40B4-BE49-F238E27FC236}">
+                <a16:creationId xmlns:a16="http://schemas.microsoft.com/office/drawing/2014/main" id="{8C38465C-71B9-41B5-AAF8-A25EFC9F11B7}"/>
+              </a:ext>
+            </a:extLst>
+          </p:cNvPr>
+          <p:cNvSpPr txBox="1"/>
+          <p:nvPr/>
+        </p:nvSpPr>
+        <p:spPr>
+          <a:xfrm>
+            <a:off x="6412906" y="2140002"/>
+            <a:ext cx="3082835" cy="338554"/>
+          </a:xfrm>
+          <a:prstGeom prst="rect">
+            <a:avLst/>
+          </a:prstGeom>
+          <a:noFill/>
+        </p:spPr>
+        <p:txBody>
+          <a:bodyPr wrap="square" rtlCol="0">
+            <a:spAutoFit/>
+          </a:bodyPr>
+          <a:lstStyle/>
+          <a:p>
+            <a:r>
+              <a:rPr lang="en-IE" sz="1600" i="1" dirty="0"/>
+              <a:t>Alternatively…</a:t>
+            </a:r>
+          </a:p>
+        </p:txBody>
+      </p:sp>
     </p:spTree>
     <p:extLst>
       <p:ext uri="{BB962C8B-B14F-4D97-AF65-F5344CB8AC3E}">
@@ -10261,7 +10337,7 @@
           <p:cNvPr id="2" name="Title 1">
             <a:extLst>
               <a:ext uri="{FF2B5EF4-FFF2-40B4-BE49-F238E27FC236}">
-                <a16:creationId xmlns:a16="http://schemas.microsoft.com/office/drawing/2014/main" id="{ED7E25AB-5541-457F-A898-D39DF347A4B4}"/>
+                <a16:creationId xmlns:a16="http://schemas.microsoft.com/office/drawing/2014/main" id="{73765D13-8127-48ED-87F4-FFB3CDBBBE2A}"/>
               </a:ext>
             </a:extLst>
           </p:cNvPr>
@@ -10279,7 +10355,7 @@
           <a:p>
             <a:r>
               <a:rPr lang="en-IE" dirty="0"/>
-              <a:t>Project Goals:</a:t>
+              <a:t>Why Pacman?</a:t>
             </a:r>
           </a:p>
         </p:txBody>
@@ -10289,7 +10365,7 @@
           <p:cNvPr id="3" name="Content Placeholder 2">
             <a:extLst>
               <a:ext uri="{FF2B5EF4-FFF2-40B4-BE49-F238E27FC236}">
-                <a16:creationId xmlns:a16="http://schemas.microsoft.com/office/drawing/2014/main" id="{518A389A-9DE1-47B5-A9CB-FA55EBB88A6C}"/>
+                <a16:creationId xmlns:a16="http://schemas.microsoft.com/office/drawing/2014/main" id="{7857F264-915F-4255-8A6B-B48F59291DD9}"/>
               </a:ext>
             </a:extLst>
           </p:cNvPr>
@@ -10300,14 +10376,21 @@
             <p:ph idx="1"/>
           </p:nvPr>
         </p:nvSpPr>
-        <p:spPr/>
+        <p:spPr>
+          <a:xfrm>
+            <a:off x="2589212" y="1905000"/>
+            <a:ext cx="8915400" cy="4328890"/>
+          </a:xfrm>
+        </p:spPr>
         <p:txBody>
-          <a:bodyPr/>
+          <a:bodyPr>
+            <a:normAutofit lnSpcReduction="10000"/>
+          </a:bodyPr>
           <a:lstStyle/>
           <a:p>
             <a:r>
               <a:rPr lang="en-IE" dirty="0"/>
-              <a:t>To faithfully recreate Pacman in Unity</a:t>
+              <a:t>An iconic game</a:t>
             </a:r>
           </a:p>
           <a:p>
@@ -10316,15 +10399,16 @@
           <a:p>
             <a:r>
               <a:rPr lang="en-IE" dirty="0"/>
-              <a:t>To control Pacman with the </a:t>
-            </a:r>
-            <a:r>
-              <a:rPr lang="en-IE" dirty="0" err="1"/>
-              <a:t>Myo</a:t>
-            </a:r>
+              <a:t>Simple functionality</a:t>
+            </a:r>
+          </a:p>
+          <a:p>
+            <a:endParaRPr lang="en-IE" dirty="0"/>
+          </a:p>
+          <a:p>
             <a:r>
               <a:rPr lang="en-IE" dirty="0"/>
-              <a:t> Armband</a:t>
+              <a:t>Intuitive gameplay</a:t>
             </a:r>
           </a:p>
           <a:p>
@@ -10333,7 +10417,7 @@
           <a:p>
             <a:r>
               <a:rPr lang="en-IE" dirty="0"/>
-              <a:t>To Pause, navigate menus and resume gameplay</a:t>
+              <a:t>Plenty of research material online</a:t>
             </a:r>
           </a:p>
           <a:p>
@@ -10342,11 +10426,17 @@
           <a:p>
             <a:r>
               <a:rPr lang="en-IE" dirty="0"/>
-              <a:t>Seamless integration of gestures</a:t>
+              <a:t>Game architecture is well known</a:t>
             </a:r>
           </a:p>
           <a:p>
             <a:endParaRPr lang="en-IE" dirty="0"/>
+          </a:p>
+          <a:p>
+            <a:r>
+              <a:rPr lang="en-IE" dirty="0"/>
+              <a:t>Simple functionality of game correlates well with armband</a:t>
+            </a:r>
           </a:p>
           <a:p>
             <a:endParaRPr lang="en-IE" dirty="0"/>
@@ -10356,7 +10446,7 @@
     </p:spTree>
     <p:extLst>
       <p:ext uri="{BB962C8B-B14F-4D97-AF65-F5344CB8AC3E}">
-        <p14:creationId xmlns:p14="http://schemas.microsoft.com/office/powerpoint/2010/main" val="317748125"/>
+        <p14:creationId xmlns:p14="http://schemas.microsoft.com/office/powerpoint/2010/main" val="3992418018"/>
       </p:ext>
     </p:extLst>
   </p:cSld>
@@ -10461,15 +10551,6 @@
             <a:r>
               <a:rPr lang="en-IE" dirty="0"/>
               <a:t>Avoid Ghosts</a:t>
-            </a:r>
-          </a:p>
-          <a:p>
-            <a:endParaRPr lang="en-IE" dirty="0"/>
-          </a:p>
-          <a:p>
-            <a:r>
-              <a:rPr lang="en-IE" dirty="0"/>
-              <a:t>Eat the big pellets, eat the ghosts</a:t>
             </a:r>
           </a:p>
           <a:p>
@@ -10518,6 +10599,269 @@
           <p:cNvPr id="2" name="Title 1">
             <a:extLst>
               <a:ext uri="{FF2B5EF4-FFF2-40B4-BE49-F238E27FC236}">
+                <a16:creationId xmlns:a16="http://schemas.microsoft.com/office/drawing/2014/main" id="{ED7E25AB-5541-457F-A898-D39DF347A4B4}"/>
+              </a:ext>
+            </a:extLst>
+          </p:cNvPr>
+          <p:cNvSpPr>
+            <a:spLocks noGrp="1"/>
+          </p:cNvSpPr>
+          <p:nvPr>
+            <p:ph type="title"/>
+          </p:nvPr>
+        </p:nvSpPr>
+        <p:spPr/>
+        <p:txBody>
+          <a:bodyPr/>
+          <a:lstStyle/>
+          <a:p>
+            <a:r>
+              <a:rPr lang="en-IE" dirty="0"/>
+              <a:t>Project Goals:</a:t>
+            </a:r>
+          </a:p>
+        </p:txBody>
+      </p:sp>
+      <p:sp>
+        <p:nvSpPr>
+          <p:cNvPr id="3" name="Content Placeholder 2">
+            <a:extLst>
+              <a:ext uri="{FF2B5EF4-FFF2-40B4-BE49-F238E27FC236}">
+                <a16:creationId xmlns:a16="http://schemas.microsoft.com/office/drawing/2014/main" id="{518A389A-9DE1-47B5-A9CB-FA55EBB88A6C}"/>
+              </a:ext>
+            </a:extLst>
+          </p:cNvPr>
+          <p:cNvSpPr>
+            <a:spLocks noGrp="1"/>
+          </p:cNvSpPr>
+          <p:nvPr>
+            <p:ph idx="1"/>
+          </p:nvPr>
+        </p:nvSpPr>
+        <p:spPr/>
+        <p:txBody>
+          <a:bodyPr/>
+          <a:lstStyle/>
+          <a:p>
+            <a:r>
+              <a:rPr lang="en-IE" dirty="0"/>
+              <a:t>To faithfully recreate Pacman in Unity</a:t>
+            </a:r>
+          </a:p>
+          <a:p>
+            <a:endParaRPr lang="en-IE" dirty="0"/>
+          </a:p>
+          <a:p>
+            <a:r>
+              <a:rPr lang="en-IE" dirty="0"/>
+              <a:t>To control Pacman with the </a:t>
+            </a:r>
+            <a:r>
+              <a:rPr lang="en-IE" dirty="0" err="1"/>
+              <a:t>Myo</a:t>
+            </a:r>
+            <a:r>
+              <a:rPr lang="en-IE" dirty="0"/>
+              <a:t> Armband</a:t>
+            </a:r>
+          </a:p>
+          <a:p>
+            <a:endParaRPr lang="en-IE" dirty="0"/>
+          </a:p>
+          <a:p>
+            <a:r>
+              <a:rPr lang="en-IE" dirty="0"/>
+              <a:t>To Pause, navigate menus and resume gameplay</a:t>
+            </a:r>
+          </a:p>
+          <a:p>
+            <a:endParaRPr lang="en-IE" dirty="0"/>
+          </a:p>
+          <a:p>
+            <a:r>
+              <a:rPr lang="en-IE" dirty="0"/>
+              <a:t>With seamless integration of gestures</a:t>
+            </a:r>
+          </a:p>
+          <a:p>
+            <a:endParaRPr lang="en-IE" dirty="0"/>
+          </a:p>
+          <a:p>
+            <a:endParaRPr lang="en-IE" dirty="0"/>
+          </a:p>
+        </p:txBody>
+      </p:sp>
+    </p:spTree>
+    <p:extLst>
+      <p:ext uri="{BB962C8B-B14F-4D97-AF65-F5344CB8AC3E}">
+        <p14:creationId xmlns:p14="http://schemas.microsoft.com/office/powerpoint/2010/main" val="317748125"/>
+      </p:ext>
+    </p:extLst>
+  </p:cSld>
+  <p:clrMapOvr>
+    <a:masterClrMapping/>
+  </p:clrMapOvr>
+</p:sld>
+</file>
+
+<file path=ppt/slides/slide5.xml><?xml version="1.0" encoding="utf-8"?>
+<p:sld xmlns:a="http://schemas.openxmlformats.org/drawingml/2006/main" xmlns:r="http://schemas.openxmlformats.org/officeDocument/2006/relationships" xmlns:p="http://schemas.openxmlformats.org/presentationml/2006/main">
+  <p:cSld>
+    <p:spTree>
+      <p:nvGrpSpPr>
+        <p:cNvPr id="1" name=""/>
+        <p:cNvGrpSpPr/>
+        <p:nvPr/>
+      </p:nvGrpSpPr>
+      <p:grpSpPr>
+        <a:xfrm>
+          <a:off x="0" y="0"/>
+          <a:ext cx="0" cy="0"/>
+          <a:chOff x="0" y="0"/>
+          <a:chExt cx="0" cy="0"/>
+        </a:xfrm>
+      </p:grpSpPr>
+      <p:sp>
+        <p:nvSpPr>
+          <p:cNvPr id="2" name="Title 1">
+            <a:extLst>
+              <a:ext uri="{FF2B5EF4-FFF2-40B4-BE49-F238E27FC236}">
+                <a16:creationId xmlns:a16="http://schemas.microsoft.com/office/drawing/2014/main" id="{13C25D82-7F48-47BD-9BE2-BA899F6FE1AA}"/>
+              </a:ext>
+            </a:extLst>
+          </p:cNvPr>
+          <p:cNvSpPr>
+            <a:spLocks noGrp="1"/>
+          </p:cNvSpPr>
+          <p:nvPr>
+            <p:ph type="title"/>
+          </p:nvPr>
+        </p:nvSpPr>
+        <p:spPr/>
+        <p:txBody>
+          <a:bodyPr/>
+          <a:lstStyle/>
+          <a:p>
+            <a:r>
+              <a:rPr lang="en-IE" dirty="0"/>
+              <a:t>Development Process</a:t>
+            </a:r>
+          </a:p>
+        </p:txBody>
+      </p:sp>
+      <p:sp>
+        <p:nvSpPr>
+          <p:cNvPr id="3" name="Content Placeholder 2">
+            <a:extLst>
+              <a:ext uri="{FF2B5EF4-FFF2-40B4-BE49-F238E27FC236}">
+                <a16:creationId xmlns:a16="http://schemas.microsoft.com/office/drawing/2014/main" id="{D193B0DD-C594-46E1-834C-46732F64D6EC}"/>
+              </a:ext>
+            </a:extLst>
+          </p:cNvPr>
+          <p:cNvSpPr>
+            <a:spLocks noGrp="1"/>
+          </p:cNvSpPr>
+          <p:nvPr>
+            <p:ph idx="1"/>
+          </p:nvPr>
+        </p:nvSpPr>
+        <p:spPr/>
+        <p:txBody>
+          <a:bodyPr/>
+          <a:lstStyle/>
+          <a:p>
+            <a:r>
+              <a:rPr lang="en-IE" dirty="0"/>
+              <a:t>Set up game environment </a:t>
+            </a:r>
+          </a:p>
+          <a:p>
+            <a:r>
+              <a:rPr lang="en-IE" dirty="0"/>
+              <a:t>Manually placed dots and ghost waypoints, as well as colliders for walls</a:t>
+            </a:r>
+          </a:p>
+          <a:p>
+            <a:r>
+              <a:rPr lang="en-IE" dirty="0"/>
+              <a:t>Used Sprite Slicer to create animations for ghosts and Pacman</a:t>
+            </a:r>
+          </a:p>
+          <a:p>
+            <a:r>
+              <a:rPr lang="en-IE" dirty="0"/>
+              <a:t>Implemented colliders and basic movement </a:t>
+            </a:r>
+          </a:p>
+          <a:p>
+            <a:r>
+              <a:rPr lang="en-IE" dirty="0"/>
+              <a:t>Created basic menu system to test functionality</a:t>
+            </a:r>
+          </a:p>
+          <a:p>
+            <a:r>
+              <a:rPr lang="en-IE" dirty="0"/>
+              <a:t>Integrated </a:t>
+            </a:r>
+            <a:r>
+              <a:rPr lang="en-IE" dirty="0" err="1"/>
+              <a:t>Myo</a:t>
+            </a:r>
+            <a:r>
+              <a:rPr lang="en-IE" dirty="0"/>
+              <a:t> SDK and tested</a:t>
+            </a:r>
+          </a:p>
+          <a:p>
+            <a:r>
+              <a:rPr lang="en-IE" dirty="0"/>
+              <a:t>Implemented gestures for player movement and menu navigation</a:t>
+            </a:r>
+          </a:p>
+          <a:p>
+            <a:endParaRPr lang="en-IE" dirty="0"/>
+          </a:p>
+          <a:p>
+            <a:endParaRPr lang="en-IE" dirty="0"/>
+          </a:p>
+        </p:txBody>
+      </p:sp>
+    </p:spTree>
+    <p:extLst>
+      <p:ext uri="{BB962C8B-B14F-4D97-AF65-F5344CB8AC3E}">
+        <p14:creationId xmlns:p14="http://schemas.microsoft.com/office/powerpoint/2010/main" val="4284825931"/>
+      </p:ext>
+    </p:extLst>
+  </p:cSld>
+  <p:clrMapOvr>
+    <a:masterClrMapping/>
+  </p:clrMapOvr>
+</p:sld>
+</file>
+
+<file path=ppt/slides/slide6.xml><?xml version="1.0" encoding="utf-8"?>
+<p:sld xmlns:a="http://schemas.openxmlformats.org/drawingml/2006/main" xmlns:r="http://schemas.openxmlformats.org/officeDocument/2006/relationships" xmlns:p="http://schemas.openxmlformats.org/presentationml/2006/main">
+  <p:cSld>
+    <p:spTree>
+      <p:nvGrpSpPr>
+        <p:cNvPr id="1" name=""/>
+        <p:cNvGrpSpPr/>
+        <p:nvPr/>
+      </p:nvGrpSpPr>
+      <p:grpSpPr>
+        <a:xfrm>
+          <a:off x="0" y="0"/>
+          <a:ext cx="0" cy="0"/>
+          <a:chOff x="0" y="0"/>
+          <a:chExt cx="0" cy="0"/>
+        </a:xfrm>
+      </p:grpSpPr>
+      <p:sp>
+        <p:nvSpPr>
+          <p:cNvPr id="2" name="Title 1">
+            <a:extLst>
+              <a:ext uri="{FF2B5EF4-FFF2-40B4-BE49-F238E27FC236}">
                 <a16:creationId xmlns:a16="http://schemas.microsoft.com/office/drawing/2014/main" id="{A481C39A-BE4B-4D7E-9D8E-6E3B8CAE93E6}"/>
               </a:ext>
             </a:extLst>
@@ -10557,10 +10901,15 @@
             <p:ph idx="1"/>
           </p:nvPr>
         </p:nvSpPr>
-        <p:spPr/>
+        <p:spPr>
+          <a:xfrm>
+            <a:off x="2589212" y="2133600"/>
+            <a:ext cx="8915400" cy="4423954"/>
+          </a:xfrm>
+        </p:spPr>
         <p:txBody>
           <a:bodyPr>
-            <a:normAutofit fontScale="92500" lnSpcReduction="10000"/>
+            <a:normAutofit/>
           </a:bodyPr>
           <a:lstStyle/>
           <a:p>
@@ -10586,6 +10935,14 @@
           </a:p>
           <a:p>
             <a:pPr lvl="1"/>
+            <a:endParaRPr lang="en-IE" dirty="0"/>
+          </a:p>
+          <a:p>
+            <a:pPr lvl="1"/>
+            <a:endParaRPr lang="en-IE" dirty="0"/>
+          </a:p>
+          <a:p>
+            <a:pPr lvl="1"/>
             <a:r>
               <a:rPr lang="en-IE" dirty="0"/>
               <a:t>Up/Down transitions to Fist/Finger spread</a:t>
@@ -10594,21 +10951,6 @@
           <a:p>
             <a:pPr lvl="1"/>
             <a:endParaRPr lang="en-IE" dirty="0"/>
-          </a:p>
-          <a:p>
-            <a:r>
-              <a:rPr lang="en-IE" dirty="0"/>
-              <a:t>The player will be able to pause the game by performing the double tap gesture.</a:t>
-            </a:r>
-          </a:p>
-          <a:p>
-            <a:endParaRPr lang="en-IE" dirty="0"/>
-          </a:p>
-          <a:p>
-            <a:r>
-              <a:rPr lang="en-IE" dirty="0"/>
-              <a:t>Menu navigation is also performed by the In/Out Gesture</a:t>
-            </a:r>
           </a:p>
           <a:p>
             <a:pPr marL="0" indent="0">
@@ -10649,8 +10991,8 @@
         </p:blipFill>
         <p:spPr>
           <a:xfrm>
-            <a:off x="9305925" y="5276850"/>
-            <a:ext cx="2886075" cy="1581150"/>
+            <a:off x="9593043" y="5434148"/>
+            <a:ext cx="2598957" cy="1423851"/>
           </a:xfrm>
           <a:prstGeom prst="rect">
             <a:avLst/>
@@ -10685,8 +11027,119 @@
         </p:blipFill>
         <p:spPr>
           <a:xfrm>
-            <a:off x="3988585" y="2713381"/>
-            <a:ext cx="875441" cy="870199"/>
+            <a:off x="3511956" y="2921449"/>
+            <a:ext cx="1390519" cy="1382193"/>
+          </a:xfrm>
+          <a:prstGeom prst="rect">
+            <a:avLst/>
+          </a:prstGeom>
+        </p:spPr>
+      </p:pic>
+      <p:pic>
+        <p:nvPicPr>
+          <p:cNvPr id="6" name="Picture 5">
+            <a:extLst>
+              <a:ext uri="{FF2B5EF4-FFF2-40B4-BE49-F238E27FC236}">
+                <a16:creationId xmlns:a16="http://schemas.microsoft.com/office/drawing/2014/main" id="{1743AD30-FC00-4059-A63B-EC9B5169B18F}"/>
+              </a:ext>
+            </a:extLst>
+          </p:cNvPr>
+          <p:cNvPicPr>
+            <a:picLocks noChangeAspect="1"/>
+          </p:cNvPicPr>
+          <p:nvPr/>
+        </p:nvPicPr>
+        <p:blipFill>
+          <a:blip r:embed="rId4">
+            <a:extLst>
+              <a:ext uri="{28A0092B-C50C-407E-A947-70E740481C1C}">
+                <a14:useLocalDpi xmlns:a14="http://schemas.microsoft.com/office/drawing/2010/main" val="0"/>
+              </a:ext>
+            </a:extLst>
+          </a:blip>
+          <a:stretch>
+            <a:fillRect/>
+          </a:stretch>
+        </p:blipFill>
+        <p:spPr>
+          <a:xfrm>
+            <a:off x="5203781" y="2921450"/>
+            <a:ext cx="1390518" cy="1382192"/>
+          </a:xfrm>
+          <a:prstGeom prst="rect">
+            <a:avLst/>
+          </a:prstGeom>
+        </p:spPr>
+      </p:pic>
+      <p:pic>
+        <p:nvPicPr>
+          <p:cNvPr id="8" name="Picture 7">
+            <a:extLst>
+              <a:ext uri="{FF2B5EF4-FFF2-40B4-BE49-F238E27FC236}">
+                <a16:creationId xmlns:a16="http://schemas.microsoft.com/office/drawing/2014/main" id="{F27E32A5-D252-4554-9949-B94773C36881}"/>
+              </a:ext>
+            </a:extLst>
+          </p:cNvPr>
+          <p:cNvPicPr>
+            <a:picLocks noChangeAspect="1"/>
+          </p:cNvPicPr>
+          <p:nvPr/>
+        </p:nvPicPr>
+        <p:blipFill>
+          <a:blip r:embed="rId5">
+            <a:extLst>
+              <a:ext uri="{28A0092B-C50C-407E-A947-70E740481C1C}">
+                <a14:useLocalDpi xmlns:a14="http://schemas.microsoft.com/office/drawing/2010/main" val="0"/>
+              </a:ext>
+            </a:extLst>
+          </a:blip>
+          <a:stretch>
+            <a:fillRect/>
+          </a:stretch>
+        </p:blipFill>
+        <p:spPr>
+          <a:xfrm>
+            <a:off x="3478623" y="4854740"/>
+            <a:ext cx="1423851" cy="1423851"/>
+          </a:xfrm>
+          <a:prstGeom prst="rect">
+            <a:avLst/>
+          </a:prstGeom>
+        </p:spPr>
+      </p:pic>
+      <p:pic>
+        <p:nvPicPr>
+          <p:cNvPr id="13" name="Graphic 12">
+            <a:extLst>
+              <a:ext uri="{FF2B5EF4-FFF2-40B4-BE49-F238E27FC236}">
+                <a16:creationId xmlns:a16="http://schemas.microsoft.com/office/drawing/2014/main" id="{654713C2-8CC3-4F3B-997C-11505BA69280}"/>
+              </a:ext>
+            </a:extLst>
+          </p:cNvPr>
+          <p:cNvPicPr>
+            <a:picLocks noChangeAspect="1"/>
+          </p:cNvPicPr>
+          <p:nvPr/>
+        </p:nvPicPr>
+        <p:blipFill>
+          <a:blip r:embed="rId6">
+            <a:extLst>
+              <a:ext uri="{28A0092B-C50C-407E-A947-70E740481C1C}">
+                <a14:useLocalDpi xmlns:a14="http://schemas.microsoft.com/office/drawing/2010/main" val="0"/>
+              </a:ext>
+              <a:ext uri="{96DAC541-7B7A-43D3-8B79-37D633B846F1}">
+                <asvg:svgBlip xmlns:asvg="http://schemas.microsoft.com/office/drawing/2016/SVG/main" r:embed="rId7"/>
+              </a:ext>
+            </a:extLst>
+          </a:blip>
+          <a:stretch>
+            <a:fillRect/>
+          </a:stretch>
+        </p:blipFill>
+        <p:spPr>
+          <a:xfrm>
+            <a:off x="5203781" y="4854740"/>
+            <a:ext cx="1390518" cy="1423851"/>
           </a:xfrm>
           <a:prstGeom prst="rect">
             <a:avLst/>
@@ -10706,7 +11159,7 @@
 </p:sld>
 </file>
 
-<file path=ppt/slides/slide5.xml><?xml version="1.0" encoding="utf-8"?>
+<file path=ppt/slides/slide7.xml><?xml version="1.0" encoding="utf-8"?>
 <p:sld xmlns:a="http://schemas.openxmlformats.org/drawingml/2006/main" xmlns:r="http://schemas.openxmlformats.org/officeDocument/2006/relationships" xmlns:p="http://schemas.openxmlformats.org/presentationml/2006/main">
   <p:cSld>
     <p:spTree>
@@ -10728,7 +11181,7 @@
           <p:cNvPr id="2" name="Title 1">
             <a:extLst>
               <a:ext uri="{FF2B5EF4-FFF2-40B4-BE49-F238E27FC236}">
-                <a16:creationId xmlns:a16="http://schemas.microsoft.com/office/drawing/2014/main" id="{FF8B2BD8-D6A0-4EA8-9E16-A170AEE31BFF}"/>
+                <a16:creationId xmlns:a16="http://schemas.microsoft.com/office/drawing/2014/main" id="{A481C39A-BE4B-4D7E-9D8E-6E3B8CAE93E6}"/>
               </a:ext>
             </a:extLst>
           </p:cNvPr>
@@ -10746,7 +11199,7 @@
           <a:p>
             <a:r>
               <a:rPr lang="en-IE" dirty="0"/>
-              <a:t>Demonstration</a:t>
+              <a:t>Gestures identified as appropriate for this application</a:t>
             </a:r>
           </a:p>
         </p:txBody>
@@ -10756,7 +11209,7 @@
           <p:cNvPr id="3" name="Content Placeholder 2">
             <a:extLst>
               <a:ext uri="{FF2B5EF4-FFF2-40B4-BE49-F238E27FC236}">
-                <a16:creationId xmlns:a16="http://schemas.microsoft.com/office/drawing/2014/main" id="{0297533E-ACC8-49EC-AC87-3D12E9D63AF5}"/>
+                <a16:creationId xmlns:a16="http://schemas.microsoft.com/office/drawing/2014/main" id="{FCA1831C-9F87-4898-B14F-C61B43C3702F}"/>
               </a:ext>
             </a:extLst>
           </p:cNvPr>
@@ -10767,22 +11220,138 @@
             <p:ph idx="1"/>
           </p:nvPr>
         </p:nvSpPr>
-        <p:spPr/>
+        <p:spPr>
+          <a:xfrm>
+            <a:off x="2589212" y="2133600"/>
+            <a:ext cx="8915400" cy="4423954"/>
+          </a:xfrm>
+        </p:spPr>
         <p:txBody>
-          <a:bodyPr/>
+          <a:bodyPr>
+            <a:normAutofit/>
+          </a:bodyPr>
           <a:lstStyle/>
           <a:p>
             <a:r>
               <a:rPr lang="en-IE" dirty="0"/>
-              <a:t>(Hopefully…)</a:t>
+              <a:t>The player will be able to pause/resume with the double tap gesture:</a:t>
+            </a:r>
+          </a:p>
+          <a:p>
+            <a:pPr lvl="1"/>
+            <a:endParaRPr lang="en-IE" dirty="0"/>
+          </a:p>
+          <a:p>
+            <a:pPr lvl="1"/>
+            <a:endParaRPr lang="en-IE" dirty="0"/>
+          </a:p>
+          <a:p>
+            <a:pPr marL="457200" lvl="1" indent="0">
+              <a:buNone/>
+            </a:pPr>
+            <a:endParaRPr lang="en-IE" dirty="0"/>
+          </a:p>
+          <a:p>
+            <a:pPr lvl="1"/>
+            <a:endParaRPr lang="en-IE" dirty="0"/>
+          </a:p>
+          <a:p>
+            <a:pPr marL="457200" lvl="1" indent="0">
+              <a:buNone/>
+            </a:pPr>
+            <a:endParaRPr lang="en-IE" dirty="0"/>
+          </a:p>
+          <a:p>
+            <a:pPr lvl="1"/>
+            <a:endParaRPr lang="en-IE" dirty="0"/>
+          </a:p>
+          <a:p>
+            <a:pPr marL="0" indent="0">
+              <a:buNone/>
+            </a:pPr>
+            <a:r>
+              <a:rPr lang="en-IE" dirty="0"/>
+              <a:t> </a:t>
             </a:r>
           </a:p>
         </p:txBody>
       </p:sp>
+      <p:pic>
+        <p:nvPicPr>
+          <p:cNvPr id="9" name="Picture 8">
+            <a:extLst>
+              <a:ext uri="{FF2B5EF4-FFF2-40B4-BE49-F238E27FC236}">
+                <a16:creationId xmlns:a16="http://schemas.microsoft.com/office/drawing/2014/main" id="{A9CDAC96-D132-42B4-BE67-861BB91B1242}"/>
+              </a:ext>
+            </a:extLst>
+          </p:cNvPr>
+          <p:cNvPicPr>
+            <a:picLocks noChangeAspect="1"/>
+          </p:cNvPicPr>
+          <p:nvPr/>
+        </p:nvPicPr>
+        <p:blipFill>
+          <a:blip r:embed="rId2">
+            <a:extLst>
+              <a:ext uri="{28A0092B-C50C-407E-A947-70E740481C1C}">
+                <a14:useLocalDpi xmlns:a14="http://schemas.microsoft.com/office/drawing/2010/main" val="0"/>
+              </a:ext>
+            </a:extLst>
+          </a:blip>
+          <a:stretch>
+            <a:fillRect/>
+          </a:stretch>
+        </p:blipFill>
+        <p:spPr>
+          <a:xfrm>
+            <a:off x="9593043" y="5434148"/>
+            <a:ext cx="2598957" cy="1423851"/>
+          </a:xfrm>
+          <a:prstGeom prst="rect">
+            <a:avLst/>
+          </a:prstGeom>
+        </p:spPr>
+      </p:pic>
+      <p:pic>
+        <p:nvPicPr>
+          <p:cNvPr id="7" name="Picture 6">
+            <a:extLst>
+              <a:ext uri="{FF2B5EF4-FFF2-40B4-BE49-F238E27FC236}">
+                <a16:creationId xmlns:a16="http://schemas.microsoft.com/office/drawing/2014/main" id="{11F8AB6A-3A16-4D85-ADCA-AE797D7B7356}"/>
+              </a:ext>
+            </a:extLst>
+          </p:cNvPr>
+          <p:cNvPicPr>
+            <a:picLocks noChangeAspect="1"/>
+          </p:cNvPicPr>
+          <p:nvPr/>
+        </p:nvPicPr>
+        <p:blipFill>
+          <a:blip r:embed="rId3">
+            <a:extLst>
+              <a:ext uri="{28A0092B-C50C-407E-A947-70E740481C1C}">
+                <a14:useLocalDpi xmlns:a14="http://schemas.microsoft.com/office/drawing/2010/main" val="0"/>
+              </a:ext>
+            </a:extLst>
+          </a:blip>
+          <a:stretch>
+            <a:fillRect/>
+          </a:stretch>
+        </p:blipFill>
+        <p:spPr>
+          <a:xfrm>
+            <a:off x="5377138" y="2660353"/>
+            <a:ext cx="1822195" cy="1822195"/>
+          </a:xfrm>
+          <a:prstGeom prst="rect">
+            <a:avLst/>
+          </a:prstGeom>
+        </p:spPr>
+      </p:pic>
     </p:spTree>
     <p:extLst>
       <p:ext uri="{BB962C8B-B14F-4D97-AF65-F5344CB8AC3E}">
-        <p14:creationId xmlns:p14="http://schemas.microsoft.com/office/powerpoint/2010/main" val="468131448"/>
+        <p14:creationId xmlns:p14="http://schemas.microsoft.com/office/powerpoint/2010/main" val="1183693360"/>
       </p:ext>
     </p:extLst>
   </p:cSld>
@@ -10792,7 +11361,7 @@
 </p:sld>
 </file>
 
-<file path=ppt/slides/slide6.xml><?xml version="1.0" encoding="utf-8"?>
+<file path=ppt/slides/slide8.xml><?xml version="1.0" encoding="utf-8"?>
 <p:sld xmlns:a="http://schemas.openxmlformats.org/drawingml/2006/main" xmlns:r="http://schemas.openxmlformats.org/officeDocument/2006/relationships" xmlns:p="http://schemas.openxmlformats.org/presentationml/2006/main">
   <p:cSld>
     <p:spTree>
@@ -10814,6 +11383,92 @@
           <p:cNvPr id="2" name="Title 1">
             <a:extLst>
               <a:ext uri="{FF2B5EF4-FFF2-40B4-BE49-F238E27FC236}">
+                <a16:creationId xmlns:a16="http://schemas.microsoft.com/office/drawing/2014/main" id="{FF8B2BD8-D6A0-4EA8-9E16-A170AEE31BFF}"/>
+              </a:ext>
+            </a:extLst>
+          </p:cNvPr>
+          <p:cNvSpPr>
+            <a:spLocks noGrp="1"/>
+          </p:cNvSpPr>
+          <p:nvPr>
+            <p:ph type="title"/>
+          </p:nvPr>
+        </p:nvSpPr>
+        <p:spPr/>
+        <p:txBody>
+          <a:bodyPr/>
+          <a:lstStyle/>
+          <a:p>
+            <a:r>
+              <a:rPr lang="en-IE" dirty="0"/>
+              <a:t>Work in Progress - Demonstration</a:t>
+            </a:r>
+          </a:p>
+        </p:txBody>
+      </p:sp>
+      <p:sp>
+        <p:nvSpPr>
+          <p:cNvPr id="3" name="Content Placeholder 2">
+            <a:extLst>
+              <a:ext uri="{FF2B5EF4-FFF2-40B4-BE49-F238E27FC236}">
+                <a16:creationId xmlns:a16="http://schemas.microsoft.com/office/drawing/2014/main" id="{0297533E-ACC8-49EC-AC87-3D12E9D63AF5}"/>
+              </a:ext>
+            </a:extLst>
+          </p:cNvPr>
+          <p:cNvSpPr>
+            <a:spLocks noGrp="1"/>
+          </p:cNvSpPr>
+          <p:nvPr>
+            <p:ph idx="1"/>
+          </p:nvPr>
+        </p:nvSpPr>
+        <p:spPr/>
+        <p:txBody>
+          <a:bodyPr/>
+          <a:lstStyle/>
+          <a:p>
+            <a:r>
+              <a:rPr lang="en-IE" dirty="0"/>
+              <a:t>(Hopefully it works…)</a:t>
+            </a:r>
+          </a:p>
+        </p:txBody>
+      </p:sp>
+    </p:spTree>
+    <p:extLst>
+      <p:ext uri="{BB962C8B-B14F-4D97-AF65-F5344CB8AC3E}">
+        <p14:creationId xmlns:p14="http://schemas.microsoft.com/office/powerpoint/2010/main" val="468131448"/>
+      </p:ext>
+    </p:extLst>
+  </p:cSld>
+  <p:clrMapOvr>
+    <a:masterClrMapping/>
+  </p:clrMapOvr>
+</p:sld>
+</file>
+
+<file path=ppt/slides/slide9.xml><?xml version="1.0" encoding="utf-8"?>
+<p:sld xmlns:a="http://schemas.openxmlformats.org/drawingml/2006/main" xmlns:r="http://schemas.openxmlformats.org/officeDocument/2006/relationships" xmlns:p="http://schemas.openxmlformats.org/presentationml/2006/main">
+  <p:cSld>
+    <p:spTree>
+      <p:nvGrpSpPr>
+        <p:cNvPr id="1" name=""/>
+        <p:cNvGrpSpPr/>
+        <p:nvPr/>
+      </p:nvGrpSpPr>
+      <p:grpSpPr>
+        <a:xfrm>
+          <a:off x="0" y="0"/>
+          <a:ext cx="0" cy="0"/>
+          <a:chOff x="0" y="0"/>
+          <a:chExt cx="0" cy="0"/>
+        </a:xfrm>
+      </p:grpSpPr>
+      <p:sp>
+        <p:nvSpPr>
+          <p:cNvPr id="2" name="Title 1">
+            <a:extLst>
+              <a:ext uri="{FF2B5EF4-FFF2-40B4-BE49-F238E27FC236}">
                 <a16:creationId xmlns:a16="http://schemas.microsoft.com/office/drawing/2014/main" id="{D7672697-D25E-4885-A6FD-06F6118B65AD}"/>
               </a:ext>
             </a:extLst>
@@ -10839,7 +11494,7 @@
             </a:br>
             <a:r>
               <a:rPr lang="en-IE" dirty="0"/>
-              <a:t>Recommendations so far</a:t>
+              <a:t>Recommendations (so far)</a:t>
             </a:r>
           </a:p>
         </p:txBody>
@@ -10865,6 +11520,31 @@
           <a:bodyPr/>
           <a:lstStyle/>
           <a:p>
+            <a:r>
+              <a:rPr lang="en-IE" dirty="0"/>
+              <a:t>Problems encountered:</a:t>
+            </a:r>
+          </a:p>
+          <a:p>
+            <a:pPr lvl="1"/>
+            <a:r>
+              <a:rPr lang="en-IE" dirty="0"/>
+              <a:t>Differing versions of Unity, plus updates, made cohesion difficult</a:t>
+            </a:r>
+          </a:p>
+          <a:p>
+            <a:pPr lvl="1"/>
+            <a:r>
+              <a:rPr lang="en-IE" dirty="0"/>
+              <a:t>Version control was troublesome </a:t>
+            </a:r>
+          </a:p>
+          <a:p>
+            <a:pPr lvl="1"/>
+            <a:endParaRPr lang="en-IE" dirty="0"/>
+          </a:p>
+          <a:p>
+            <a:pPr lvl="1"/>
             <a:endParaRPr lang="en-IE" dirty="0"/>
           </a:p>
         </p:txBody>

--- a/GesturePresentation.pptx
+++ b/GesturePresentation.pptx
@@ -325,7 +325,7 @@
           <a:p>
             <a:fld id="{F849F088-AD06-4498-9BA6-D5DDC9DE9DD1}" type="datetimeFigureOut">
               <a:rPr lang="en-IE" smtClean="0"/>
-              <a:t>04/04/2019</a:t>
+              <a:t>05/04/2019</a:t>
             </a:fld>
             <a:endParaRPr lang="en-IE"/>
           </a:p>
@@ -663,7 +663,7 @@
           <a:p>
             <a:fld id="{F849F088-AD06-4498-9BA6-D5DDC9DE9DD1}" type="datetimeFigureOut">
               <a:rPr lang="en-IE" smtClean="0"/>
-              <a:t>04/04/2019</a:t>
+              <a:t>05/04/2019</a:t>
             </a:fld>
             <a:endParaRPr lang="en-IE"/>
           </a:p>
@@ -1064,7 +1064,7 @@
           <a:p>
             <a:fld id="{F849F088-AD06-4498-9BA6-D5DDC9DE9DD1}" type="datetimeFigureOut">
               <a:rPr lang="en-IE" smtClean="0"/>
-              <a:t>04/04/2019</a:t>
+              <a:t>05/04/2019</a:t>
             </a:fld>
             <a:endParaRPr lang="en-IE"/>
           </a:p>
@@ -1400,7 +1400,7 @@
           <a:p>
             <a:fld id="{F849F088-AD06-4498-9BA6-D5DDC9DE9DD1}" type="datetimeFigureOut">
               <a:rPr lang="en-IE" smtClean="0"/>
-              <a:t>04/04/2019</a:t>
+              <a:t>05/04/2019</a:t>
             </a:fld>
             <a:endParaRPr lang="en-IE"/>
           </a:p>
@@ -1720,7 +1720,7 @@
           <a:p>
             <a:fld id="{F849F088-AD06-4498-9BA6-D5DDC9DE9DD1}" type="datetimeFigureOut">
               <a:rPr lang="en-IE" smtClean="0"/>
-              <a:t>04/04/2019</a:t>
+              <a:t>05/04/2019</a:t>
             </a:fld>
             <a:endParaRPr lang="en-IE"/>
           </a:p>
@@ -2116,7 +2116,7 @@
           <a:p>
             <a:fld id="{F849F088-AD06-4498-9BA6-D5DDC9DE9DD1}" type="datetimeFigureOut">
               <a:rPr lang="en-IE" smtClean="0"/>
-              <a:t>04/04/2019</a:t>
+              <a:t>05/04/2019</a:t>
             </a:fld>
             <a:endParaRPr lang="en-IE"/>
           </a:p>
@@ -2373,7 +2373,7 @@
           <a:p>
             <a:fld id="{F849F088-AD06-4498-9BA6-D5DDC9DE9DD1}" type="datetimeFigureOut">
               <a:rPr lang="en-IE" smtClean="0"/>
-              <a:t>04/04/2019</a:t>
+              <a:t>05/04/2019</a:t>
             </a:fld>
             <a:endParaRPr lang="en-IE"/>
           </a:p>
@@ -2635,7 +2635,7 @@
           <a:p>
             <a:fld id="{F849F088-AD06-4498-9BA6-D5DDC9DE9DD1}" type="datetimeFigureOut">
               <a:rPr lang="en-IE" smtClean="0"/>
-              <a:t>04/04/2019</a:t>
+              <a:t>05/04/2019</a:t>
             </a:fld>
             <a:endParaRPr lang="en-IE"/>
           </a:p>
@@ -2897,7 +2897,7 @@
           <a:p>
             <a:fld id="{F849F088-AD06-4498-9BA6-D5DDC9DE9DD1}" type="datetimeFigureOut">
               <a:rPr lang="en-IE" smtClean="0"/>
-              <a:t>04/04/2019</a:t>
+              <a:t>05/04/2019</a:t>
             </a:fld>
             <a:endParaRPr lang="en-IE"/>
           </a:p>
@@ -3226,7 +3226,7 @@
           <a:p>
             <a:fld id="{F849F088-AD06-4498-9BA6-D5DDC9DE9DD1}" type="datetimeFigureOut">
               <a:rPr lang="en-IE" smtClean="0"/>
-              <a:t>04/04/2019</a:t>
+              <a:t>05/04/2019</a:t>
             </a:fld>
             <a:endParaRPr lang="en-IE"/>
           </a:p>
@@ -3549,7 +3549,7 @@
           <a:p>
             <a:fld id="{F849F088-AD06-4498-9BA6-D5DDC9DE9DD1}" type="datetimeFigureOut">
               <a:rPr lang="en-IE" smtClean="0"/>
-              <a:t>04/04/2019</a:t>
+              <a:t>05/04/2019</a:t>
             </a:fld>
             <a:endParaRPr lang="en-IE"/>
           </a:p>
@@ -4006,7 +4006,7 @@
           <a:p>
             <a:fld id="{F849F088-AD06-4498-9BA6-D5DDC9DE9DD1}" type="datetimeFigureOut">
               <a:rPr lang="en-IE" smtClean="0"/>
-              <a:t>04/04/2019</a:t>
+              <a:t>05/04/2019</a:t>
             </a:fld>
             <a:endParaRPr lang="en-IE"/>
           </a:p>
@@ -4211,7 +4211,7 @@
           <a:p>
             <a:fld id="{F849F088-AD06-4498-9BA6-D5DDC9DE9DD1}" type="datetimeFigureOut">
               <a:rPr lang="en-IE" smtClean="0"/>
-              <a:t>04/04/2019</a:t>
+              <a:t>05/04/2019</a:t>
             </a:fld>
             <a:endParaRPr lang="en-IE"/>
           </a:p>
@@ -4388,7 +4388,7 @@
           <a:p>
             <a:fld id="{F849F088-AD06-4498-9BA6-D5DDC9DE9DD1}" type="datetimeFigureOut">
               <a:rPr lang="en-IE" smtClean="0"/>
-              <a:t>04/04/2019</a:t>
+              <a:t>05/04/2019</a:t>
             </a:fld>
             <a:endParaRPr lang="en-IE"/>
           </a:p>
@@ -4721,7 +4721,7 @@
           <a:p>
             <a:fld id="{F849F088-AD06-4498-9BA6-D5DDC9DE9DD1}" type="datetimeFigureOut">
               <a:rPr lang="en-IE" smtClean="0"/>
-              <a:t>04/04/2019</a:t>
+              <a:t>05/04/2019</a:t>
             </a:fld>
             <a:endParaRPr lang="en-IE"/>
           </a:p>
@@ -5066,7 +5066,7 @@
           <a:p>
             <a:fld id="{F849F088-AD06-4498-9BA6-D5DDC9DE9DD1}" type="datetimeFigureOut">
               <a:rPr lang="en-IE" smtClean="0"/>
-              <a:t>04/04/2019</a:t>
+              <a:t>05/04/2019</a:t>
             </a:fld>
             <a:endParaRPr lang="en-IE"/>
           </a:p>
@@ -7183,7 +7183,7 @@
           <a:p>
             <a:fld id="{F849F088-AD06-4498-9BA6-D5DDC9DE9DD1}" type="datetimeFigureOut">
               <a:rPr lang="en-IE" smtClean="0"/>
-              <a:t>04/04/2019</a:t>
+              <a:t>05/04/2019</a:t>
             </a:fld>
             <a:endParaRPr lang="en-IE"/>
           </a:p>
@@ -10453,6 +10453,333 @@
   <p:clrMapOvr>
     <a:masterClrMapping/>
   </p:clrMapOvr>
+  <p:timing>
+    <p:tnLst>
+      <p:par>
+        <p:cTn id="1" dur="indefinite" restart="never" nodeType="tmRoot">
+          <p:childTnLst>
+            <p:seq concurrent="1" nextAc="seek">
+              <p:cTn id="2" dur="indefinite" nodeType="mainSeq">
+                <p:childTnLst>
+                  <p:par>
+                    <p:cTn id="3" fill="hold">
+                      <p:stCondLst>
+                        <p:cond delay="indefinite"/>
+                      </p:stCondLst>
+                      <p:childTnLst>
+                        <p:par>
+                          <p:cTn id="4" fill="hold">
+                            <p:stCondLst>
+                              <p:cond delay="0"/>
+                            </p:stCondLst>
+                            <p:childTnLst>
+                              <p:par>
+                                <p:cTn id="5" presetID="1" presetClass="entr" presetSubtype="0" fill="hold" grpId="0" nodeType="clickEffect">
+                                  <p:stCondLst>
+                                    <p:cond delay="0"/>
+                                  </p:stCondLst>
+                                  <p:childTnLst>
+                                    <p:set>
+                                      <p:cBhvr>
+                                        <p:cTn id="6" dur="1" fill="hold">
+                                          <p:stCondLst>
+                                            <p:cond delay="0"/>
+                                          </p:stCondLst>
+                                        </p:cTn>
+                                        <p:tgtEl>
+                                          <p:spTgt spid="3">
+                                            <p:txEl>
+                                              <p:pRg st="0" end="0"/>
+                                            </p:txEl>
+                                          </p:spTgt>
+                                        </p:tgtEl>
+                                        <p:attrNameLst>
+                                          <p:attrName>style.visibility</p:attrName>
+                                        </p:attrNameLst>
+                                      </p:cBhvr>
+                                      <p:to>
+                                        <p:strVal val="visible"/>
+                                      </p:to>
+                                    </p:set>
+                                  </p:childTnLst>
+                                </p:cTn>
+                              </p:par>
+                            </p:childTnLst>
+                          </p:cTn>
+                        </p:par>
+                      </p:childTnLst>
+                    </p:cTn>
+                  </p:par>
+                  <p:par>
+                    <p:cTn id="7" fill="hold">
+                      <p:stCondLst>
+                        <p:cond delay="indefinite"/>
+                      </p:stCondLst>
+                      <p:childTnLst>
+                        <p:par>
+                          <p:cTn id="8" fill="hold">
+                            <p:stCondLst>
+                              <p:cond delay="0"/>
+                            </p:stCondLst>
+                            <p:childTnLst>
+                              <p:par>
+                                <p:cTn id="9" presetID="1" presetClass="entr" presetSubtype="0" fill="hold" grpId="0" nodeType="clickEffect">
+                                  <p:stCondLst>
+                                    <p:cond delay="0"/>
+                                  </p:stCondLst>
+                                  <p:childTnLst>
+                                    <p:set>
+                                      <p:cBhvr>
+                                        <p:cTn id="10" dur="1" fill="hold">
+                                          <p:stCondLst>
+                                            <p:cond delay="0"/>
+                                          </p:stCondLst>
+                                        </p:cTn>
+                                        <p:tgtEl>
+                                          <p:spTgt spid="3">
+                                            <p:txEl>
+                                              <p:pRg st="2" end="2"/>
+                                            </p:txEl>
+                                          </p:spTgt>
+                                        </p:tgtEl>
+                                        <p:attrNameLst>
+                                          <p:attrName>style.visibility</p:attrName>
+                                        </p:attrNameLst>
+                                      </p:cBhvr>
+                                      <p:to>
+                                        <p:strVal val="visible"/>
+                                      </p:to>
+                                    </p:set>
+                                  </p:childTnLst>
+                                </p:cTn>
+                              </p:par>
+                            </p:childTnLst>
+                          </p:cTn>
+                        </p:par>
+                      </p:childTnLst>
+                    </p:cTn>
+                  </p:par>
+                  <p:par>
+                    <p:cTn id="11" fill="hold">
+                      <p:stCondLst>
+                        <p:cond delay="indefinite"/>
+                      </p:stCondLst>
+                      <p:childTnLst>
+                        <p:par>
+                          <p:cTn id="12" fill="hold">
+                            <p:stCondLst>
+                              <p:cond delay="0"/>
+                            </p:stCondLst>
+                            <p:childTnLst>
+                              <p:par>
+                                <p:cTn id="13" presetID="1" presetClass="entr" presetSubtype="0" fill="hold" grpId="0" nodeType="clickEffect">
+                                  <p:stCondLst>
+                                    <p:cond delay="0"/>
+                                  </p:stCondLst>
+                                  <p:childTnLst>
+                                    <p:set>
+                                      <p:cBhvr>
+                                        <p:cTn id="14" dur="1" fill="hold">
+                                          <p:stCondLst>
+                                            <p:cond delay="0"/>
+                                          </p:stCondLst>
+                                        </p:cTn>
+                                        <p:tgtEl>
+                                          <p:spTgt spid="3">
+                                            <p:txEl>
+                                              <p:pRg st="4" end="4"/>
+                                            </p:txEl>
+                                          </p:spTgt>
+                                        </p:tgtEl>
+                                        <p:attrNameLst>
+                                          <p:attrName>style.visibility</p:attrName>
+                                        </p:attrNameLst>
+                                      </p:cBhvr>
+                                      <p:to>
+                                        <p:strVal val="visible"/>
+                                      </p:to>
+                                    </p:set>
+                                  </p:childTnLst>
+                                </p:cTn>
+                              </p:par>
+                            </p:childTnLst>
+                          </p:cTn>
+                        </p:par>
+                      </p:childTnLst>
+                    </p:cTn>
+                  </p:par>
+                  <p:par>
+                    <p:cTn id="15" fill="hold">
+                      <p:stCondLst>
+                        <p:cond delay="indefinite"/>
+                      </p:stCondLst>
+                      <p:childTnLst>
+                        <p:par>
+                          <p:cTn id="16" fill="hold">
+                            <p:stCondLst>
+                              <p:cond delay="0"/>
+                            </p:stCondLst>
+                            <p:childTnLst>
+                              <p:par>
+                                <p:cTn id="17" presetID="1" presetClass="entr" presetSubtype="0" fill="hold" grpId="0" nodeType="clickEffect">
+                                  <p:stCondLst>
+                                    <p:cond delay="0"/>
+                                  </p:stCondLst>
+                                  <p:childTnLst>
+                                    <p:set>
+                                      <p:cBhvr>
+                                        <p:cTn id="18" dur="1" fill="hold">
+                                          <p:stCondLst>
+                                            <p:cond delay="0"/>
+                                          </p:stCondLst>
+                                        </p:cTn>
+                                        <p:tgtEl>
+                                          <p:spTgt spid="3">
+                                            <p:txEl>
+                                              <p:pRg st="6" end="6"/>
+                                            </p:txEl>
+                                          </p:spTgt>
+                                        </p:tgtEl>
+                                        <p:attrNameLst>
+                                          <p:attrName>style.visibility</p:attrName>
+                                        </p:attrNameLst>
+                                      </p:cBhvr>
+                                      <p:to>
+                                        <p:strVal val="visible"/>
+                                      </p:to>
+                                    </p:set>
+                                  </p:childTnLst>
+                                </p:cTn>
+                              </p:par>
+                            </p:childTnLst>
+                          </p:cTn>
+                        </p:par>
+                      </p:childTnLst>
+                    </p:cTn>
+                  </p:par>
+                  <p:par>
+                    <p:cTn id="19" fill="hold">
+                      <p:stCondLst>
+                        <p:cond delay="indefinite"/>
+                      </p:stCondLst>
+                      <p:childTnLst>
+                        <p:par>
+                          <p:cTn id="20" fill="hold">
+                            <p:stCondLst>
+                              <p:cond delay="0"/>
+                            </p:stCondLst>
+                            <p:childTnLst>
+                              <p:par>
+                                <p:cTn id="21" presetID="1" presetClass="entr" presetSubtype="0" fill="hold" grpId="0" nodeType="clickEffect">
+                                  <p:stCondLst>
+                                    <p:cond delay="0"/>
+                                  </p:stCondLst>
+                                  <p:childTnLst>
+                                    <p:set>
+                                      <p:cBhvr>
+                                        <p:cTn id="22" dur="1" fill="hold">
+                                          <p:stCondLst>
+                                            <p:cond delay="0"/>
+                                          </p:stCondLst>
+                                        </p:cTn>
+                                        <p:tgtEl>
+                                          <p:spTgt spid="3">
+                                            <p:txEl>
+                                              <p:pRg st="8" end="8"/>
+                                            </p:txEl>
+                                          </p:spTgt>
+                                        </p:tgtEl>
+                                        <p:attrNameLst>
+                                          <p:attrName>style.visibility</p:attrName>
+                                        </p:attrNameLst>
+                                      </p:cBhvr>
+                                      <p:to>
+                                        <p:strVal val="visible"/>
+                                      </p:to>
+                                    </p:set>
+                                  </p:childTnLst>
+                                </p:cTn>
+                              </p:par>
+                            </p:childTnLst>
+                          </p:cTn>
+                        </p:par>
+                      </p:childTnLst>
+                    </p:cTn>
+                  </p:par>
+                  <p:par>
+                    <p:cTn id="23" fill="hold">
+                      <p:stCondLst>
+                        <p:cond delay="indefinite"/>
+                      </p:stCondLst>
+                      <p:childTnLst>
+                        <p:par>
+                          <p:cTn id="24" fill="hold">
+                            <p:stCondLst>
+                              <p:cond delay="0"/>
+                            </p:stCondLst>
+                            <p:childTnLst>
+                              <p:par>
+                                <p:cTn id="25" presetID="1" presetClass="entr" presetSubtype="0" fill="hold" grpId="0" nodeType="clickEffect">
+                                  <p:stCondLst>
+                                    <p:cond delay="0"/>
+                                  </p:stCondLst>
+                                  <p:childTnLst>
+                                    <p:set>
+                                      <p:cBhvr>
+                                        <p:cTn id="26" dur="1" fill="hold">
+                                          <p:stCondLst>
+                                            <p:cond delay="0"/>
+                                          </p:stCondLst>
+                                        </p:cTn>
+                                        <p:tgtEl>
+                                          <p:spTgt spid="3">
+                                            <p:txEl>
+                                              <p:pRg st="10" end="10"/>
+                                            </p:txEl>
+                                          </p:spTgt>
+                                        </p:tgtEl>
+                                        <p:attrNameLst>
+                                          <p:attrName>style.visibility</p:attrName>
+                                        </p:attrNameLst>
+                                      </p:cBhvr>
+                                      <p:to>
+                                        <p:strVal val="visible"/>
+                                      </p:to>
+                                    </p:set>
+                                  </p:childTnLst>
+                                </p:cTn>
+                              </p:par>
+                            </p:childTnLst>
+                          </p:cTn>
+                        </p:par>
+                      </p:childTnLst>
+                    </p:cTn>
+                  </p:par>
+                </p:childTnLst>
+              </p:cTn>
+              <p:prevCondLst>
+                <p:cond evt="onPrev" delay="0">
+                  <p:tgtEl>
+                    <p:sldTgt/>
+                  </p:tgtEl>
+                </p:cond>
+              </p:prevCondLst>
+              <p:nextCondLst>
+                <p:cond evt="onNext" delay="0">
+                  <p:tgtEl>
+                    <p:sldTgt/>
+                  </p:tgtEl>
+                </p:cond>
+              </p:nextCondLst>
+            </p:seq>
+          </p:childTnLst>
+        </p:cTn>
+      </p:par>
+    </p:tnLst>
+    <p:bldLst>
+      <p:bldP spid="3" grpId="0" build="p"/>
+    </p:bldLst>
+  </p:timing>
 </p:sld>
 </file>
 
@@ -10574,6 +10901,235 @@
   <p:clrMapOvr>
     <a:masterClrMapping/>
   </p:clrMapOvr>
+  <p:timing>
+    <p:tnLst>
+      <p:par>
+        <p:cTn id="1" dur="indefinite" restart="never" nodeType="tmRoot">
+          <p:childTnLst>
+            <p:seq concurrent="1" nextAc="seek">
+              <p:cTn id="2" dur="indefinite" nodeType="mainSeq">
+                <p:childTnLst>
+                  <p:par>
+                    <p:cTn id="3" fill="hold">
+                      <p:stCondLst>
+                        <p:cond delay="indefinite"/>
+                      </p:stCondLst>
+                      <p:childTnLst>
+                        <p:par>
+                          <p:cTn id="4" fill="hold">
+                            <p:stCondLst>
+                              <p:cond delay="0"/>
+                            </p:stCondLst>
+                            <p:childTnLst>
+                              <p:par>
+                                <p:cTn id="5" presetID="1" presetClass="entr" presetSubtype="0" fill="hold" grpId="0" nodeType="clickEffect">
+                                  <p:stCondLst>
+                                    <p:cond delay="0"/>
+                                  </p:stCondLst>
+                                  <p:childTnLst>
+                                    <p:set>
+                                      <p:cBhvr>
+                                        <p:cTn id="6" dur="1" fill="hold">
+                                          <p:stCondLst>
+                                            <p:cond delay="0"/>
+                                          </p:stCondLst>
+                                        </p:cTn>
+                                        <p:tgtEl>
+                                          <p:spTgt spid="3">
+                                            <p:txEl>
+                                              <p:pRg st="0" end="0"/>
+                                            </p:txEl>
+                                          </p:spTgt>
+                                        </p:tgtEl>
+                                        <p:attrNameLst>
+                                          <p:attrName>style.visibility</p:attrName>
+                                        </p:attrNameLst>
+                                      </p:cBhvr>
+                                      <p:to>
+                                        <p:strVal val="visible"/>
+                                      </p:to>
+                                    </p:set>
+                                  </p:childTnLst>
+                                </p:cTn>
+                              </p:par>
+                            </p:childTnLst>
+                          </p:cTn>
+                        </p:par>
+                      </p:childTnLst>
+                    </p:cTn>
+                  </p:par>
+                  <p:par>
+                    <p:cTn id="7" fill="hold">
+                      <p:stCondLst>
+                        <p:cond delay="indefinite"/>
+                      </p:stCondLst>
+                      <p:childTnLst>
+                        <p:par>
+                          <p:cTn id="8" fill="hold">
+                            <p:stCondLst>
+                              <p:cond delay="0"/>
+                            </p:stCondLst>
+                            <p:childTnLst>
+                              <p:par>
+                                <p:cTn id="9" presetID="1" presetClass="entr" presetSubtype="0" fill="hold" grpId="0" nodeType="clickEffect">
+                                  <p:stCondLst>
+                                    <p:cond delay="0"/>
+                                  </p:stCondLst>
+                                  <p:childTnLst>
+                                    <p:set>
+                                      <p:cBhvr>
+                                        <p:cTn id="10" dur="1" fill="hold">
+                                          <p:stCondLst>
+                                            <p:cond delay="0"/>
+                                          </p:stCondLst>
+                                        </p:cTn>
+                                        <p:tgtEl>
+                                          <p:spTgt spid="3">
+                                            <p:txEl>
+                                              <p:pRg st="2" end="2"/>
+                                            </p:txEl>
+                                          </p:spTgt>
+                                        </p:tgtEl>
+                                        <p:attrNameLst>
+                                          <p:attrName>style.visibility</p:attrName>
+                                        </p:attrNameLst>
+                                      </p:cBhvr>
+                                      <p:to>
+                                        <p:strVal val="visible"/>
+                                      </p:to>
+                                    </p:set>
+                                  </p:childTnLst>
+                                </p:cTn>
+                              </p:par>
+                            </p:childTnLst>
+                          </p:cTn>
+                        </p:par>
+                      </p:childTnLst>
+                    </p:cTn>
+                  </p:par>
+                  <p:par>
+                    <p:cTn id="11" fill="hold">
+                      <p:stCondLst>
+                        <p:cond delay="indefinite"/>
+                      </p:stCondLst>
+                      <p:childTnLst>
+                        <p:par>
+                          <p:cTn id="12" fill="hold">
+                            <p:stCondLst>
+                              <p:cond delay="0"/>
+                            </p:stCondLst>
+                            <p:childTnLst>
+                              <p:par>
+                                <p:cTn id="13" presetID="1" presetClass="entr" presetSubtype="0" fill="hold" grpId="0" nodeType="clickEffect">
+                                  <p:stCondLst>
+                                    <p:cond delay="0"/>
+                                  </p:stCondLst>
+                                  <p:childTnLst>
+                                    <p:set>
+                                      <p:cBhvr>
+                                        <p:cTn id="14" dur="1" fill="hold">
+                                          <p:stCondLst>
+                                            <p:cond delay="0"/>
+                                          </p:stCondLst>
+                                        </p:cTn>
+                                        <p:tgtEl>
+                                          <p:spTgt spid="3">
+                                            <p:txEl>
+                                              <p:pRg st="4" end="4"/>
+                                            </p:txEl>
+                                          </p:spTgt>
+                                        </p:tgtEl>
+                                        <p:attrNameLst>
+                                          <p:attrName>style.visibility</p:attrName>
+                                        </p:attrNameLst>
+                                      </p:cBhvr>
+                                      <p:to>
+                                        <p:strVal val="visible"/>
+                                      </p:to>
+                                    </p:set>
+                                  </p:childTnLst>
+                                </p:cTn>
+                              </p:par>
+                            </p:childTnLst>
+                          </p:cTn>
+                        </p:par>
+                      </p:childTnLst>
+                    </p:cTn>
+                  </p:par>
+                  <p:par>
+                    <p:cTn id="15" fill="hold">
+                      <p:stCondLst>
+                        <p:cond delay="indefinite"/>
+                      </p:stCondLst>
+                      <p:childTnLst>
+                        <p:par>
+                          <p:cTn id="16" fill="hold">
+                            <p:stCondLst>
+                              <p:cond delay="0"/>
+                            </p:stCondLst>
+                            <p:childTnLst>
+                              <p:par>
+                                <p:cTn id="17" presetID="1" presetClass="entr" presetSubtype="0" fill="hold" grpId="0" nodeType="clickEffect">
+                                  <p:stCondLst>
+                                    <p:cond delay="0"/>
+                                  </p:stCondLst>
+                                  <p:childTnLst>
+                                    <p:set>
+                                      <p:cBhvr>
+                                        <p:cTn id="18" dur="1" fill="hold">
+                                          <p:stCondLst>
+                                            <p:cond delay="0"/>
+                                          </p:stCondLst>
+                                        </p:cTn>
+                                        <p:tgtEl>
+                                          <p:spTgt spid="3">
+                                            <p:txEl>
+                                              <p:pRg st="6" end="6"/>
+                                            </p:txEl>
+                                          </p:spTgt>
+                                        </p:tgtEl>
+                                        <p:attrNameLst>
+                                          <p:attrName>style.visibility</p:attrName>
+                                        </p:attrNameLst>
+                                      </p:cBhvr>
+                                      <p:to>
+                                        <p:strVal val="visible"/>
+                                      </p:to>
+                                    </p:set>
+                                  </p:childTnLst>
+                                </p:cTn>
+                              </p:par>
+                            </p:childTnLst>
+                          </p:cTn>
+                        </p:par>
+                      </p:childTnLst>
+                    </p:cTn>
+                  </p:par>
+                </p:childTnLst>
+              </p:cTn>
+              <p:prevCondLst>
+                <p:cond evt="onPrev" delay="0">
+                  <p:tgtEl>
+                    <p:sldTgt/>
+                  </p:tgtEl>
+                </p:cond>
+              </p:prevCondLst>
+              <p:nextCondLst>
+                <p:cond evt="onNext" delay="0">
+                  <p:tgtEl>
+                    <p:sldTgt/>
+                  </p:tgtEl>
+                </p:cond>
+              </p:nextCondLst>
+            </p:seq>
+          </p:childTnLst>
+        </p:cTn>
+      </p:par>
+    </p:tnLst>
+    <p:bldLst>
+      <p:bldP spid="3" grpId="0" build="p"/>
+    </p:bldLst>
+  </p:timing>
 </p:sld>
 </file>
 
@@ -10701,6 +11257,235 @@
   <p:clrMapOvr>
     <a:masterClrMapping/>
   </p:clrMapOvr>
+  <p:timing>
+    <p:tnLst>
+      <p:par>
+        <p:cTn id="1" dur="indefinite" restart="never" nodeType="tmRoot">
+          <p:childTnLst>
+            <p:seq concurrent="1" nextAc="seek">
+              <p:cTn id="2" dur="indefinite" nodeType="mainSeq">
+                <p:childTnLst>
+                  <p:par>
+                    <p:cTn id="3" fill="hold">
+                      <p:stCondLst>
+                        <p:cond delay="indefinite"/>
+                      </p:stCondLst>
+                      <p:childTnLst>
+                        <p:par>
+                          <p:cTn id="4" fill="hold">
+                            <p:stCondLst>
+                              <p:cond delay="0"/>
+                            </p:stCondLst>
+                            <p:childTnLst>
+                              <p:par>
+                                <p:cTn id="5" presetID="1" presetClass="entr" presetSubtype="0" fill="hold" grpId="0" nodeType="clickEffect">
+                                  <p:stCondLst>
+                                    <p:cond delay="0"/>
+                                  </p:stCondLst>
+                                  <p:childTnLst>
+                                    <p:set>
+                                      <p:cBhvr>
+                                        <p:cTn id="6" dur="1" fill="hold">
+                                          <p:stCondLst>
+                                            <p:cond delay="0"/>
+                                          </p:stCondLst>
+                                        </p:cTn>
+                                        <p:tgtEl>
+                                          <p:spTgt spid="3">
+                                            <p:txEl>
+                                              <p:pRg st="0" end="0"/>
+                                            </p:txEl>
+                                          </p:spTgt>
+                                        </p:tgtEl>
+                                        <p:attrNameLst>
+                                          <p:attrName>style.visibility</p:attrName>
+                                        </p:attrNameLst>
+                                      </p:cBhvr>
+                                      <p:to>
+                                        <p:strVal val="visible"/>
+                                      </p:to>
+                                    </p:set>
+                                  </p:childTnLst>
+                                </p:cTn>
+                              </p:par>
+                            </p:childTnLst>
+                          </p:cTn>
+                        </p:par>
+                      </p:childTnLst>
+                    </p:cTn>
+                  </p:par>
+                  <p:par>
+                    <p:cTn id="7" fill="hold">
+                      <p:stCondLst>
+                        <p:cond delay="indefinite"/>
+                      </p:stCondLst>
+                      <p:childTnLst>
+                        <p:par>
+                          <p:cTn id="8" fill="hold">
+                            <p:stCondLst>
+                              <p:cond delay="0"/>
+                            </p:stCondLst>
+                            <p:childTnLst>
+                              <p:par>
+                                <p:cTn id="9" presetID="1" presetClass="entr" presetSubtype="0" fill="hold" grpId="0" nodeType="clickEffect">
+                                  <p:stCondLst>
+                                    <p:cond delay="0"/>
+                                  </p:stCondLst>
+                                  <p:childTnLst>
+                                    <p:set>
+                                      <p:cBhvr>
+                                        <p:cTn id="10" dur="1" fill="hold">
+                                          <p:stCondLst>
+                                            <p:cond delay="0"/>
+                                          </p:stCondLst>
+                                        </p:cTn>
+                                        <p:tgtEl>
+                                          <p:spTgt spid="3">
+                                            <p:txEl>
+                                              <p:pRg st="2" end="2"/>
+                                            </p:txEl>
+                                          </p:spTgt>
+                                        </p:tgtEl>
+                                        <p:attrNameLst>
+                                          <p:attrName>style.visibility</p:attrName>
+                                        </p:attrNameLst>
+                                      </p:cBhvr>
+                                      <p:to>
+                                        <p:strVal val="visible"/>
+                                      </p:to>
+                                    </p:set>
+                                  </p:childTnLst>
+                                </p:cTn>
+                              </p:par>
+                            </p:childTnLst>
+                          </p:cTn>
+                        </p:par>
+                      </p:childTnLst>
+                    </p:cTn>
+                  </p:par>
+                  <p:par>
+                    <p:cTn id="11" fill="hold">
+                      <p:stCondLst>
+                        <p:cond delay="indefinite"/>
+                      </p:stCondLst>
+                      <p:childTnLst>
+                        <p:par>
+                          <p:cTn id="12" fill="hold">
+                            <p:stCondLst>
+                              <p:cond delay="0"/>
+                            </p:stCondLst>
+                            <p:childTnLst>
+                              <p:par>
+                                <p:cTn id="13" presetID="1" presetClass="entr" presetSubtype="0" fill="hold" grpId="0" nodeType="clickEffect">
+                                  <p:stCondLst>
+                                    <p:cond delay="0"/>
+                                  </p:stCondLst>
+                                  <p:childTnLst>
+                                    <p:set>
+                                      <p:cBhvr>
+                                        <p:cTn id="14" dur="1" fill="hold">
+                                          <p:stCondLst>
+                                            <p:cond delay="0"/>
+                                          </p:stCondLst>
+                                        </p:cTn>
+                                        <p:tgtEl>
+                                          <p:spTgt spid="3">
+                                            <p:txEl>
+                                              <p:pRg st="4" end="4"/>
+                                            </p:txEl>
+                                          </p:spTgt>
+                                        </p:tgtEl>
+                                        <p:attrNameLst>
+                                          <p:attrName>style.visibility</p:attrName>
+                                        </p:attrNameLst>
+                                      </p:cBhvr>
+                                      <p:to>
+                                        <p:strVal val="visible"/>
+                                      </p:to>
+                                    </p:set>
+                                  </p:childTnLst>
+                                </p:cTn>
+                              </p:par>
+                            </p:childTnLst>
+                          </p:cTn>
+                        </p:par>
+                      </p:childTnLst>
+                    </p:cTn>
+                  </p:par>
+                  <p:par>
+                    <p:cTn id="15" fill="hold">
+                      <p:stCondLst>
+                        <p:cond delay="indefinite"/>
+                      </p:stCondLst>
+                      <p:childTnLst>
+                        <p:par>
+                          <p:cTn id="16" fill="hold">
+                            <p:stCondLst>
+                              <p:cond delay="0"/>
+                            </p:stCondLst>
+                            <p:childTnLst>
+                              <p:par>
+                                <p:cTn id="17" presetID="1" presetClass="entr" presetSubtype="0" fill="hold" grpId="0" nodeType="clickEffect">
+                                  <p:stCondLst>
+                                    <p:cond delay="0"/>
+                                  </p:stCondLst>
+                                  <p:childTnLst>
+                                    <p:set>
+                                      <p:cBhvr>
+                                        <p:cTn id="18" dur="1" fill="hold">
+                                          <p:stCondLst>
+                                            <p:cond delay="0"/>
+                                          </p:stCondLst>
+                                        </p:cTn>
+                                        <p:tgtEl>
+                                          <p:spTgt spid="3">
+                                            <p:txEl>
+                                              <p:pRg st="6" end="6"/>
+                                            </p:txEl>
+                                          </p:spTgt>
+                                        </p:tgtEl>
+                                        <p:attrNameLst>
+                                          <p:attrName>style.visibility</p:attrName>
+                                        </p:attrNameLst>
+                                      </p:cBhvr>
+                                      <p:to>
+                                        <p:strVal val="visible"/>
+                                      </p:to>
+                                    </p:set>
+                                  </p:childTnLst>
+                                </p:cTn>
+                              </p:par>
+                            </p:childTnLst>
+                          </p:cTn>
+                        </p:par>
+                      </p:childTnLst>
+                    </p:cTn>
+                  </p:par>
+                </p:childTnLst>
+              </p:cTn>
+              <p:prevCondLst>
+                <p:cond evt="onPrev" delay="0">
+                  <p:tgtEl>
+                    <p:sldTgt/>
+                  </p:tgtEl>
+                </p:cond>
+              </p:prevCondLst>
+              <p:nextCondLst>
+                <p:cond evt="onNext" delay="0">
+                  <p:tgtEl>
+                    <p:sldTgt/>
+                  </p:tgtEl>
+                </p:cond>
+              </p:nextCondLst>
+            </p:seq>
+          </p:childTnLst>
+        </p:cTn>
+      </p:par>
+    </p:tnLst>
+    <p:bldLst>
+      <p:bldP spid="3" grpId="0" build="p"/>
+    </p:bldLst>
+  </p:timing>
 </p:sld>
 </file>
 
@@ -10837,6 +11622,382 @@
   <p:clrMapOvr>
     <a:masterClrMapping/>
   </p:clrMapOvr>
+  <p:timing>
+    <p:tnLst>
+      <p:par>
+        <p:cTn id="1" dur="indefinite" restart="never" nodeType="tmRoot">
+          <p:childTnLst>
+            <p:seq concurrent="1" nextAc="seek">
+              <p:cTn id="2" dur="indefinite" nodeType="mainSeq">
+                <p:childTnLst>
+                  <p:par>
+                    <p:cTn id="3" fill="hold">
+                      <p:stCondLst>
+                        <p:cond delay="indefinite"/>
+                      </p:stCondLst>
+                      <p:childTnLst>
+                        <p:par>
+                          <p:cTn id="4" fill="hold">
+                            <p:stCondLst>
+                              <p:cond delay="0"/>
+                            </p:stCondLst>
+                            <p:childTnLst>
+                              <p:par>
+                                <p:cTn id="5" presetID="1" presetClass="entr" presetSubtype="0" fill="hold" grpId="0" nodeType="clickEffect">
+                                  <p:stCondLst>
+                                    <p:cond delay="0"/>
+                                  </p:stCondLst>
+                                  <p:childTnLst>
+                                    <p:set>
+                                      <p:cBhvr>
+                                        <p:cTn id="6" dur="1" fill="hold">
+                                          <p:stCondLst>
+                                            <p:cond delay="0"/>
+                                          </p:stCondLst>
+                                        </p:cTn>
+                                        <p:tgtEl>
+                                          <p:spTgt spid="3">
+                                            <p:txEl>
+                                              <p:pRg st="0" end="0"/>
+                                            </p:txEl>
+                                          </p:spTgt>
+                                        </p:tgtEl>
+                                        <p:attrNameLst>
+                                          <p:attrName>style.visibility</p:attrName>
+                                        </p:attrNameLst>
+                                      </p:cBhvr>
+                                      <p:to>
+                                        <p:strVal val="visible"/>
+                                      </p:to>
+                                    </p:set>
+                                  </p:childTnLst>
+                                </p:cTn>
+                              </p:par>
+                            </p:childTnLst>
+                          </p:cTn>
+                        </p:par>
+                      </p:childTnLst>
+                    </p:cTn>
+                  </p:par>
+                  <p:par>
+                    <p:cTn id="7" fill="hold">
+                      <p:stCondLst>
+                        <p:cond delay="indefinite"/>
+                      </p:stCondLst>
+                      <p:childTnLst>
+                        <p:par>
+                          <p:cTn id="8" fill="hold">
+                            <p:stCondLst>
+                              <p:cond delay="0"/>
+                            </p:stCondLst>
+                            <p:childTnLst>
+                              <p:par>
+                                <p:cTn id="9" presetID="1" presetClass="entr" presetSubtype="0" fill="hold" grpId="0" nodeType="clickEffect">
+                                  <p:stCondLst>
+                                    <p:cond delay="0"/>
+                                  </p:stCondLst>
+                                  <p:childTnLst>
+                                    <p:set>
+                                      <p:cBhvr>
+                                        <p:cTn id="10" dur="1" fill="hold">
+                                          <p:stCondLst>
+                                            <p:cond delay="0"/>
+                                          </p:stCondLst>
+                                        </p:cTn>
+                                        <p:tgtEl>
+                                          <p:spTgt spid="3">
+                                            <p:txEl>
+                                              <p:pRg st="1" end="1"/>
+                                            </p:txEl>
+                                          </p:spTgt>
+                                        </p:tgtEl>
+                                        <p:attrNameLst>
+                                          <p:attrName>style.visibility</p:attrName>
+                                        </p:attrNameLst>
+                                      </p:cBhvr>
+                                      <p:to>
+                                        <p:strVal val="visible"/>
+                                      </p:to>
+                                    </p:set>
+                                  </p:childTnLst>
+                                </p:cTn>
+                              </p:par>
+                            </p:childTnLst>
+                          </p:cTn>
+                        </p:par>
+                      </p:childTnLst>
+                    </p:cTn>
+                  </p:par>
+                  <p:par>
+                    <p:cTn id="11" fill="hold">
+                      <p:stCondLst>
+                        <p:cond delay="indefinite"/>
+                      </p:stCondLst>
+                      <p:childTnLst>
+                        <p:par>
+                          <p:cTn id="12" fill="hold">
+                            <p:stCondLst>
+                              <p:cond delay="0"/>
+                            </p:stCondLst>
+                            <p:childTnLst>
+                              <p:par>
+                                <p:cTn id="13" presetID="1" presetClass="entr" presetSubtype="0" fill="hold" grpId="0" nodeType="clickEffect">
+                                  <p:stCondLst>
+                                    <p:cond delay="0"/>
+                                  </p:stCondLst>
+                                  <p:childTnLst>
+                                    <p:set>
+                                      <p:cBhvr>
+                                        <p:cTn id="14" dur="1" fill="hold">
+                                          <p:stCondLst>
+                                            <p:cond delay="0"/>
+                                          </p:stCondLst>
+                                        </p:cTn>
+                                        <p:tgtEl>
+                                          <p:spTgt spid="3">
+                                            <p:txEl>
+                                              <p:pRg st="2" end="2"/>
+                                            </p:txEl>
+                                          </p:spTgt>
+                                        </p:tgtEl>
+                                        <p:attrNameLst>
+                                          <p:attrName>style.visibility</p:attrName>
+                                        </p:attrNameLst>
+                                      </p:cBhvr>
+                                      <p:to>
+                                        <p:strVal val="visible"/>
+                                      </p:to>
+                                    </p:set>
+                                  </p:childTnLst>
+                                </p:cTn>
+                              </p:par>
+                            </p:childTnLst>
+                          </p:cTn>
+                        </p:par>
+                      </p:childTnLst>
+                    </p:cTn>
+                  </p:par>
+                  <p:par>
+                    <p:cTn id="15" fill="hold">
+                      <p:stCondLst>
+                        <p:cond delay="indefinite"/>
+                      </p:stCondLst>
+                      <p:childTnLst>
+                        <p:par>
+                          <p:cTn id="16" fill="hold">
+                            <p:stCondLst>
+                              <p:cond delay="0"/>
+                            </p:stCondLst>
+                            <p:childTnLst>
+                              <p:par>
+                                <p:cTn id="17" presetID="1" presetClass="entr" presetSubtype="0" fill="hold" grpId="0" nodeType="clickEffect">
+                                  <p:stCondLst>
+                                    <p:cond delay="0"/>
+                                  </p:stCondLst>
+                                  <p:childTnLst>
+                                    <p:set>
+                                      <p:cBhvr>
+                                        <p:cTn id="18" dur="1" fill="hold">
+                                          <p:stCondLst>
+                                            <p:cond delay="0"/>
+                                          </p:stCondLst>
+                                        </p:cTn>
+                                        <p:tgtEl>
+                                          <p:spTgt spid="3">
+                                            <p:txEl>
+                                              <p:pRg st="3" end="3"/>
+                                            </p:txEl>
+                                          </p:spTgt>
+                                        </p:tgtEl>
+                                        <p:attrNameLst>
+                                          <p:attrName>style.visibility</p:attrName>
+                                        </p:attrNameLst>
+                                      </p:cBhvr>
+                                      <p:to>
+                                        <p:strVal val="visible"/>
+                                      </p:to>
+                                    </p:set>
+                                  </p:childTnLst>
+                                </p:cTn>
+                              </p:par>
+                            </p:childTnLst>
+                          </p:cTn>
+                        </p:par>
+                      </p:childTnLst>
+                    </p:cTn>
+                  </p:par>
+                  <p:par>
+                    <p:cTn id="19" fill="hold">
+                      <p:stCondLst>
+                        <p:cond delay="indefinite"/>
+                      </p:stCondLst>
+                      <p:childTnLst>
+                        <p:par>
+                          <p:cTn id="20" fill="hold">
+                            <p:stCondLst>
+                              <p:cond delay="0"/>
+                            </p:stCondLst>
+                            <p:childTnLst>
+                              <p:par>
+                                <p:cTn id="21" presetID="1" presetClass="entr" presetSubtype="0" fill="hold" grpId="0" nodeType="clickEffect">
+                                  <p:stCondLst>
+                                    <p:cond delay="0"/>
+                                  </p:stCondLst>
+                                  <p:childTnLst>
+                                    <p:set>
+                                      <p:cBhvr>
+                                        <p:cTn id="22" dur="1" fill="hold">
+                                          <p:stCondLst>
+                                            <p:cond delay="0"/>
+                                          </p:stCondLst>
+                                        </p:cTn>
+                                        <p:tgtEl>
+                                          <p:spTgt spid="3">
+                                            <p:txEl>
+                                              <p:pRg st="4" end="4"/>
+                                            </p:txEl>
+                                          </p:spTgt>
+                                        </p:tgtEl>
+                                        <p:attrNameLst>
+                                          <p:attrName>style.visibility</p:attrName>
+                                        </p:attrNameLst>
+                                      </p:cBhvr>
+                                      <p:to>
+                                        <p:strVal val="visible"/>
+                                      </p:to>
+                                    </p:set>
+                                  </p:childTnLst>
+                                </p:cTn>
+                              </p:par>
+                            </p:childTnLst>
+                          </p:cTn>
+                        </p:par>
+                      </p:childTnLst>
+                    </p:cTn>
+                  </p:par>
+                  <p:par>
+                    <p:cTn id="23" fill="hold">
+                      <p:stCondLst>
+                        <p:cond delay="indefinite"/>
+                      </p:stCondLst>
+                      <p:childTnLst>
+                        <p:par>
+                          <p:cTn id="24" fill="hold">
+                            <p:stCondLst>
+                              <p:cond delay="0"/>
+                            </p:stCondLst>
+                            <p:childTnLst>
+                              <p:par>
+                                <p:cTn id="25" presetID="1" presetClass="entr" presetSubtype="0" fill="hold" grpId="0" nodeType="clickEffect">
+                                  <p:stCondLst>
+                                    <p:cond delay="0"/>
+                                  </p:stCondLst>
+                                  <p:childTnLst>
+                                    <p:set>
+                                      <p:cBhvr>
+                                        <p:cTn id="26" dur="1" fill="hold">
+                                          <p:stCondLst>
+                                            <p:cond delay="0"/>
+                                          </p:stCondLst>
+                                        </p:cTn>
+                                        <p:tgtEl>
+                                          <p:spTgt spid="3">
+                                            <p:txEl>
+                                              <p:pRg st="5" end="5"/>
+                                            </p:txEl>
+                                          </p:spTgt>
+                                        </p:tgtEl>
+                                        <p:attrNameLst>
+                                          <p:attrName>style.visibility</p:attrName>
+                                        </p:attrNameLst>
+                                      </p:cBhvr>
+                                      <p:to>
+                                        <p:strVal val="visible"/>
+                                      </p:to>
+                                    </p:set>
+                                  </p:childTnLst>
+                                </p:cTn>
+                              </p:par>
+                            </p:childTnLst>
+                          </p:cTn>
+                        </p:par>
+                      </p:childTnLst>
+                    </p:cTn>
+                  </p:par>
+                  <p:par>
+                    <p:cTn id="27" fill="hold">
+                      <p:stCondLst>
+                        <p:cond delay="indefinite"/>
+                      </p:stCondLst>
+                      <p:childTnLst>
+                        <p:par>
+                          <p:cTn id="28" fill="hold">
+                            <p:stCondLst>
+                              <p:cond delay="0"/>
+                            </p:stCondLst>
+                            <p:childTnLst>
+                              <p:par>
+                                <p:cTn id="29" presetID="1" presetClass="entr" presetSubtype="0" fill="hold" grpId="0" nodeType="clickEffect">
+                                  <p:stCondLst>
+                                    <p:cond delay="0"/>
+                                  </p:stCondLst>
+                                  <p:childTnLst>
+                                    <p:set>
+                                      <p:cBhvr>
+                                        <p:cTn id="30" dur="1" fill="hold">
+                                          <p:stCondLst>
+                                            <p:cond delay="0"/>
+                                          </p:stCondLst>
+                                        </p:cTn>
+                                        <p:tgtEl>
+                                          <p:spTgt spid="3">
+                                            <p:txEl>
+                                              <p:pRg st="6" end="6"/>
+                                            </p:txEl>
+                                          </p:spTgt>
+                                        </p:tgtEl>
+                                        <p:attrNameLst>
+                                          <p:attrName>style.visibility</p:attrName>
+                                        </p:attrNameLst>
+                                      </p:cBhvr>
+                                      <p:to>
+                                        <p:strVal val="visible"/>
+                                      </p:to>
+                                    </p:set>
+                                  </p:childTnLst>
+                                </p:cTn>
+                              </p:par>
+                            </p:childTnLst>
+                          </p:cTn>
+                        </p:par>
+                      </p:childTnLst>
+                    </p:cTn>
+                  </p:par>
+                </p:childTnLst>
+              </p:cTn>
+              <p:prevCondLst>
+                <p:cond evt="onPrev" delay="0">
+                  <p:tgtEl>
+                    <p:sldTgt/>
+                  </p:tgtEl>
+                </p:cond>
+              </p:prevCondLst>
+              <p:nextCondLst>
+                <p:cond evt="onNext" delay="0">
+                  <p:tgtEl>
+                    <p:sldTgt/>
+                  </p:tgtEl>
+                </p:cond>
+              </p:nextCondLst>
+            </p:seq>
+          </p:childTnLst>
+        </p:cTn>
+      </p:par>
+    </p:tnLst>
+    <p:bldLst>
+      <p:bldP spid="3" grpId="0" build="p"/>
+    </p:bldLst>
+  </p:timing>
 </p:sld>
 </file>
 
@@ -11156,6 +12317,327 @@
   <p:clrMapOvr>
     <a:masterClrMapping/>
   </p:clrMapOvr>
+  <p:timing>
+    <p:tnLst>
+      <p:par>
+        <p:cTn id="1" dur="indefinite" restart="never" nodeType="tmRoot">
+          <p:childTnLst>
+            <p:seq concurrent="1" nextAc="seek">
+              <p:cTn id="2" dur="indefinite" nodeType="mainSeq">
+                <p:childTnLst>
+                  <p:par>
+                    <p:cTn id="3" fill="hold">
+                      <p:stCondLst>
+                        <p:cond delay="indefinite"/>
+                      </p:stCondLst>
+                      <p:childTnLst>
+                        <p:par>
+                          <p:cTn id="4" fill="hold">
+                            <p:stCondLst>
+                              <p:cond delay="0"/>
+                            </p:stCondLst>
+                            <p:childTnLst>
+                              <p:par>
+                                <p:cTn id="5" presetID="1" presetClass="entr" presetSubtype="0" fill="hold" nodeType="clickEffect">
+                                  <p:stCondLst>
+                                    <p:cond delay="0"/>
+                                  </p:stCondLst>
+                                  <p:childTnLst>
+                                    <p:set>
+                                      <p:cBhvr>
+                                        <p:cTn id="6" dur="1" fill="hold">
+                                          <p:stCondLst>
+                                            <p:cond delay="0"/>
+                                          </p:stCondLst>
+                                        </p:cTn>
+                                        <p:tgtEl>
+                                          <p:spTgt spid="3">
+                                            <p:txEl>
+                                              <p:pRg st="0" end="0"/>
+                                            </p:txEl>
+                                          </p:spTgt>
+                                        </p:tgtEl>
+                                        <p:attrNameLst>
+                                          <p:attrName>style.visibility</p:attrName>
+                                        </p:attrNameLst>
+                                      </p:cBhvr>
+                                      <p:to>
+                                        <p:strVal val="visible"/>
+                                      </p:to>
+                                    </p:set>
+                                  </p:childTnLst>
+                                </p:cTn>
+                              </p:par>
+                            </p:childTnLst>
+                          </p:cTn>
+                        </p:par>
+                      </p:childTnLst>
+                    </p:cTn>
+                  </p:par>
+                  <p:par>
+                    <p:cTn id="7" fill="hold">
+                      <p:stCondLst>
+                        <p:cond delay="indefinite"/>
+                      </p:stCondLst>
+                      <p:childTnLst>
+                        <p:par>
+                          <p:cTn id="8" fill="hold">
+                            <p:stCondLst>
+                              <p:cond delay="0"/>
+                            </p:stCondLst>
+                            <p:childTnLst>
+                              <p:par>
+                                <p:cTn id="9" presetID="1" presetClass="entr" presetSubtype="0" fill="hold" nodeType="clickEffect">
+                                  <p:stCondLst>
+                                    <p:cond delay="0"/>
+                                  </p:stCondLst>
+                                  <p:childTnLst>
+                                    <p:set>
+                                      <p:cBhvr>
+                                        <p:cTn id="10" dur="1" fill="hold">
+                                          <p:stCondLst>
+                                            <p:cond delay="0"/>
+                                          </p:stCondLst>
+                                        </p:cTn>
+                                        <p:tgtEl>
+                                          <p:spTgt spid="3">
+                                            <p:txEl>
+                                              <p:pRg st="1" end="1"/>
+                                            </p:txEl>
+                                          </p:spTgt>
+                                        </p:tgtEl>
+                                        <p:attrNameLst>
+                                          <p:attrName>style.visibility</p:attrName>
+                                        </p:attrNameLst>
+                                      </p:cBhvr>
+                                      <p:to>
+                                        <p:strVal val="visible"/>
+                                      </p:to>
+                                    </p:set>
+                                  </p:childTnLst>
+                                </p:cTn>
+                              </p:par>
+                            </p:childTnLst>
+                          </p:cTn>
+                        </p:par>
+                      </p:childTnLst>
+                    </p:cTn>
+                  </p:par>
+                  <p:par>
+                    <p:cTn id="11" fill="hold">
+                      <p:stCondLst>
+                        <p:cond delay="indefinite"/>
+                      </p:stCondLst>
+                      <p:childTnLst>
+                        <p:par>
+                          <p:cTn id="12" fill="hold">
+                            <p:stCondLst>
+                              <p:cond delay="0"/>
+                            </p:stCondLst>
+                            <p:childTnLst>
+                              <p:par>
+                                <p:cTn id="13" presetID="1" presetClass="entr" presetSubtype="0" fill="hold" nodeType="clickEffect">
+                                  <p:stCondLst>
+                                    <p:cond delay="0"/>
+                                  </p:stCondLst>
+                                  <p:childTnLst>
+                                    <p:set>
+                                      <p:cBhvr>
+                                        <p:cTn id="14" dur="1" fill="hold">
+                                          <p:stCondLst>
+                                            <p:cond delay="0"/>
+                                          </p:stCondLst>
+                                        </p:cTn>
+                                        <p:tgtEl>
+                                          <p:spTgt spid="5"/>
+                                        </p:tgtEl>
+                                        <p:attrNameLst>
+                                          <p:attrName>style.visibility</p:attrName>
+                                        </p:attrNameLst>
+                                      </p:cBhvr>
+                                      <p:to>
+                                        <p:strVal val="visible"/>
+                                      </p:to>
+                                    </p:set>
+                                  </p:childTnLst>
+                                </p:cTn>
+                              </p:par>
+                              <p:par>
+                                <p:cTn id="15" presetID="1" presetClass="entr" presetSubtype="0" fill="hold" nodeType="withEffect">
+                                  <p:stCondLst>
+                                    <p:cond delay="0"/>
+                                  </p:stCondLst>
+                                  <p:childTnLst>
+                                    <p:set>
+                                      <p:cBhvr>
+                                        <p:cTn id="16" dur="1" fill="hold">
+                                          <p:stCondLst>
+                                            <p:cond delay="0"/>
+                                          </p:stCondLst>
+                                        </p:cTn>
+                                        <p:tgtEl>
+                                          <p:spTgt spid="6"/>
+                                        </p:tgtEl>
+                                        <p:attrNameLst>
+                                          <p:attrName>style.visibility</p:attrName>
+                                        </p:attrNameLst>
+                                      </p:cBhvr>
+                                      <p:to>
+                                        <p:strVal val="visible"/>
+                                      </p:to>
+                                    </p:set>
+                                  </p:childTnLst>
+                                </p:cTn>
+                              </p:par>
+                            </p:childTnLst>
+                          </p:cTn>
+                        </p:par>
+                      </p:childTnLst>
+                    </p:cTn>
+                  </p:par>
+                  <p:par>
+                    <p:cTn id="17" fill="hold">
+                      <p:stCondLst>
+                        <p:cond delay="indefinite"/>
+                      </p:stCondLst>
+                      <p:childTnLst>
+                        <p:par>
+                          <p:cTn id="18" fill="hold">
+                            <p:stCondLst>
+                              <p:cond delay="0"/>
+                            </p:stCondLst>
+                            <p:childTnLst>
+                              <p:par>
+                                <p:cTn id="19" presetID="1" presetClass="entr" presetSubtype="0" fill="hold" nodeType="clickEffect">
+                                  <p:stCondLst>
+                                    <p:cond delay="0"/>
+                                  </p:stCondLst>
+                                  <p:childTnLst>
+                                    <p:set>
+                                      <p:cBhvr>
+                                        <p:cTn id="20" dur="1" fill="hold">
+                                          <p:stCondLst>
+                                            <p:cond delay="0"/>
+                                          </p:stCondLst>
+                                        </p:cTn>
+                                        <p:tgtEl>
+                                          <p:spTgt spid="3">
+                                            <p:txEl>
+                                              <p:pRg st="6" end="6"/>
+                                            </p:txEl>
+                                          </p:spTgt>
+                                        </p:tgtEl>
+                                        <p:attrNameLst>
+                                          <p:attrName>style.visibility</p:attrName>
+                                        </p:attrNameLst>
+                                      </p:cBhvr>
+                                      <p:to>
+                                        <p:strVal val="visible"/>
+                                      </p:to>
+                                    </p:set>
+                                  </p:childTnLst>
+                                </p:cTn>
+                              </p:par>
+                            </p:childTnLst>
+                          </p:cTn>
+                        </p:par>
+                      </p:childTnLst>
+                    </p:cTn>
+                  </p:par>
+                  <p:par>
+                    <p:cTn id="21" fill="hold">
+                      <p:stCondLst>
+                        <p:cond delay="indefinite"/>
+                      </p:stCondLst>
+                      <p:childTnLst>
+                        <p:par>
+                          <p:cTn id="22" fill="hold">
+                            <p:stCondLst>
+                              <p:cond delay="0"/>
+                            </p:stCondLst>
+                            <p:childTnLst>
+                              <p:par>
+                                <p:cTn id="23" presetID="1" presetClass="entr" presetSubtype="0" fill="hold" nodeType="clickEffect">
+                                  <p:stCondLst>
+                                    <p:cond delay="0"/>
+                                  </p:stCondLst>
+                                  <p:childTnLst>
+                                    <p:set>
+                                      <p:cBhvr>
+                                        <p:cTn id="24" dur="1" fill="hold">
+                                          <p:stCondLst>
+                                            <p:cond delay="0"/>
+                                          </p:stCondLst>
+                                        </p:cTn>
+                                        <p:tgtEl>
+                                          <p:spTgt spid="13"/>
+                                        </p:tgtEl>
+                                        <p:attrNameLst>
+                                          <p:attrName>style.visibility</p:attrName>
+                                        </p:attrNameLst>
+                                      </p:cBhvr>
+                                      <p:to>
+                                        <p:strVal val="visible"/>
+                                      </p:to>
+                                    </p:set>
+                                  </p:childTnLst>
+                                </p:cTn>
+                              </p:par>
+                              <p:par>
+                                <p:cTn id="25" presetID="1" presetClass="entr" presetSubtype="0" fill="hold" nodeType="withEffect">
+                                  <p:stCondLst>
+                                    <p:cond delay="0"/>
+                                  </p:stCondLst>
+                                  <p:childTnLst>
+                                    <p:set>
+                                      <p:cBhvr>
+                                        <p:cTn id="26" dur="1" fill="hold">
+                                          <p:stCondLst>
+                                            <p:cond delay="0"/>
+                                          </p:stCondLst>
+                                        </p:cTn>
+                                        <p:tgtEl>
+                                          <p:spTgt spid="8"/>
+                                        </p:tgtEl>
+                                        <p:attrNameLst>
+                                          <p:attrName>style.visibility</p:attrName>
+                                        </p:attrNameLst>
+                                      </p:cBhvr>
+                                      <p:to>
+                                        <p:strVal val="visible"/>
+                                      </p:to>
+                                    </p:set>
+                                  </p:childTnLst>
+                                </p:cTn>
+                              </p:par>
+                            </p:childTnLst>
+                          </p:cTn>
+                        </p:par>
+                      </p:childTnLst>
+                    </p:cTn>
+                  </p:par>
+                </p:childTnLst>
+              </p:cTn>
+              <p:prevCondLst>
+                <p:cond evt="onPrev" delay="0">
+                  <p:tgtEl>
+                    <p:sldTgt/>
+                  </p:tgtEl>
+                </p:cond>
+              </p:prevCondLst>
+              <p:nextCondLst>
+                <p:cond evt="onNext" delay="0">
+                  <p:tgtEl>
+                    <p:sldTgt/>
+                  </p:tgtEl>
+                </p:cond>
+              </p:nextCondLst>
+            </p:seq>
+          </p:childTnLst>
+        </p:cTn>
+      </p:par>
+    </p:tnLst>
+  </p:timing>
 </p:sld>
 </file>
 
@@ -11358,6 +12840,164 @@
   <p:clrMapOvr>
     <a:masterClrMapping/>
   </p:clrMapOvr>
+  <p:timing>
+    <p:tnLst>
+      <p:par>
+        <p:cTn id="1" dur="indefinite" restart="never" nodeType="tmRoot">
+          <p:childTnLst>
+            <p:seq concurrent="1" nextAc="seek">
+              <p:cTn id="2" dur="indefinite" nodeType="mainSeq">
+                <p:childTnLst>
+                  <p:par>
+                    <p:cTn id="3" fill="hold">
+                      <p:stCondLst>
+                        <p:cond delay="indefinite"/>
+                      </p:stCondLst>
+                      <p:childTnLst>
+                        <p:par>
+                          <p:cTn id="4" fill="hold">
+                            <p:stCondLst>
+                              <p:cond delay="0"/>
+                            </p:stCondLst>
+                            <p:childTnLst>
+                              <p:par>
+                                <p:cTn id="5" presetID="1" presetClass="entr" presetSubtype="0" fill="hold" grpId="0" nodeType="clickEffect">
+                                  <p:stCondLst>
+                                    <p:cond delay="0"/>
+                                  </p:stCondLst>
+                                  <p:childTnLst>
+                                    <p:set>
+                                      <p:cBhvr>
+                                        <p:cTn id="6" dur="1" fill="hold">
+                                          <p:stCondLst>
+                                            <p:cond delay="0"/>
+                                          </p:stCondLst>
+                                        </p:cTn>
+                                        <p:tgtEl>
+                                          <p:spTgt spid="3">
+                                            <p:txEl>
+                                              <p:pRg st="0" end="0"/>
+                                            </p:txEl>
+                                          </p:spTgt>
+                                        </p:tgtEl>
+                                        <p:attrNameLst>
+                                          <p:attrName>style.visibility</p:attrName>
+                                        </p:attrNameLst>
+                                      </p:cBhvr>
+                                      <p:to>
+                                        <p:strVal val="visible"/>
+                                      </p:to>
+                                    </p:set>
+                                  </p:childTnLst>
+                                </p:cTn>
+                              </p:par>
+                            </p:childTnLst>
+                          </p:cTn>
+                        </p:par>
+                      </p:childTnLst>
+                    </p:cTn>
+                  </p:par>
+                  <p:par>
+                    <p:cTn id="7" fill="hold">
+                      <p:stCondLst>
+                        <p:cond delay="indefinite"/>
+                      </p:stCondLst>
+                      <p:childTnLst>
+                        <p:par>
+                          <p:cTn id="8" fill="hold">
+                            <p:stCondLst>
+                              <p:cond delay="0"/>
+                            </p:stCondLst>
+                            <p:childTnLst>
+                              <p:par>
+                                <p:cTn id="9" presetID="1" presetClass="entr" presetSubtype="0" fill="hold" grpId="0" nodeType="clickEffect">
+                                  <p:stCondLst>
+                                    <p:cond delay="0"/>
+                                  </p:stCondLst>
+                                  <p:childTnLst>
+                                    <p:set>
+                                      <p:cBhvr>
+                                        <p:cTn id="10" dur="1" fill="hold">
+                                          <p:stCondLst>
+                                            <p:cond delay="0"/>
+                                          </p:stCondLst>
+                                        </p:cTn>
+                                        <p:tgtEl>
+                                          <p:spTgt spid="3">
+                                            <p:txEl>
+                                              <p:pRg st="7" end="7"/>
+                                            </p:txEl>
+                                          </p:spTgt>
+                                        </p:tgtEl>
+                                        <p:attrNameLst>
+                                          <p:attrName>style.visibility</p:attrName>
+                                        </p:attrNameLst>
+                                      </p:cBhvr>
+                                      <p:to>
+                                        <p:strVal val="visible"/>
+                                      </p:to>
+                                    </p:set>
+                                  </p:childTnLst>
+                                </p:cTn>
+                              </p:par>
+                              <p:par>
+                                <p:cTn id="11" presetID="1" presetClass="entr" presetSubtype="0" fill="hold" nodeType="withEffect">
+                                  <p:stCondLst>
+                                    <p:cond delay="0"/>
+                                  </p:stCondLst>
+                                  <p:childTnLst>
+                                    <p:set>
+                                      <p:cBhvr>
+                                        <p:cTn id="12" dur="1" fill="hold">
+                                          <p:stCondLst>
+                                            <p:cond delay="0"/>
+                                          </p:stCondLst>
+                                        </p:cTn>
+                                        <p:tgtEl>
+                                          <p:spTgt spid="7"/>
+                                        </p:tgtEl>
+                                        <p:attrNameLst>
+                                          <p:attrName>style.visibility</p:attrName>
+                                        </p:attrNameLst>
+                                      </p:cBhvr>
+                                      <p:to>
+                                        <p:strVal val="visible"/>
+                                      </p:to>
+                                    </p:set>
+                                  </p:childTnLst>
+                                </p:cTn>
+                              </p:par>
+                            </p:childTnLst>
+                          </p:cTn>
+                        </p:par>
+                      </p:childTnLst>
+                    </p:cTn>
+                  </p:par>
+                </p:childTnLst>
+              </p:cTn>
+              <p:prevCondLst>
+                <p:cond evt="onPrev" delay="0">
+                  <p:tgtEl>
+                    <p:sldTgt/>
+                  </p:tgtEl>
+                </p:cond>
+              </p:prevCondLst>
+              <p:nextCondLst>
+                <p:cond evt="onNext" delay="0">
+                  <p:tgtEl>
+                    <p:sldTgt/>
+                  </p:tgtEl>
+                </p:cond>
+              </p:nextCondLst>
+            </p:seq>
+          </p:childTnLst>
+        </p:cTn>
+      </p:par>
+    </p:tnLst>
+    <p:bldLst>
+      <p:bldP spid="3" grpId="0" build="p"/>
+    </p:bldLst>
+  </p:timing>
 </p:sld>
 </file>
 
@@ -11541,6 +13181,20 @@
           </a:p>
           <a:p>
             <a:pPr lvl="1"/>
+            <a:r>
+              <a:rPr lang="en-IE" dirty="0"/>
+              <a:t>The gyroscope was giving inconsistent readings on the Y axis while</a:t>
+            </a:r>
+            <a:br>
+              <a:rPr lang="en-IE" dirty="0"/>
+            </a:br>
+            <a:r>
+              <a:rPr lang="en-IE" dirty="0"/>
+              <a:t>moving on the X</a:t>
+            </a:r>
+          </a:p>
+          <a:p>
+            <a:pPr lvl="1"/>
             <a:endParaRPr lang="en-IE" dirty="0"/>
           </a:p>
           <a:p>
@@ -11559,6 +13213,232 @@
   <p:clrMapOvr>
     <a:masterClrMapping/>
   </p:clrMapOvr>
+  <p:timing>
+    <p:tnLst>
+      <p:par>
+        <p:cTn id="1" dur="indefinite" restart="never" nodeType="tmRoot">
+          <p:childTnLst>
+            <p:seq concurrent="1" nextAc="seek">
+              <p:cTn id="2" dur="indefinite" nodeType="mainSeq">
+                <p:childTnLst>
+                  <p:par>
+                    <p:cTn id="3" fill="hold">
+                      <p:stCondLst>
+                        <p:cond delay="indefinite"/>
+                      </p:stCondLst>
+                      <p:childTnLst>
+                        <p:par>
+                          <p:cTn id="4" fill="hold">
+                            <p:stCondLst>
+                              <p:cond delay="0"/>
+                            </p:stCondLst>
+                            <p:childTnLst>
+                              <p:par>
+                                <p:cTn id="5" presetID="1" presetClass="entr" presetSubtype="0" fill="hold" nodeType="clickEffect">
+                                  <p:stCondLst>
+                                    <p:cond delay="0"/>
+                                  </p:stCondLst>
+                                  <p:childTnLst>
+                                    <p:set>
+                                      <p:cBhvr>
+                                        <p:cTn id="6" dur="1" fill="hold">
+                                          <p:stCondLst>
+                                            <p:cond delay="0"/>
+                                          </p:stCondLst>
+                                        </p:cTn>
+                                        <p:tgtEl>
+                                          <p:spTgt spid="3">
+                                            <p:txEl>
+                                              <p:pRg st="0" end="0"/>
+                                            </p:txEl>
+                                          </p:spTgt>
+                                        </p:tgtEl>
+                                        <p:attrNameLst>
+                                          <p:attrName>style.visibility</p:attrName>
+                                        </p:attrNameLst>
+                                      </p:cBhvr>
+                                      <p:to>
+                                        <p:strVal val="visible"/>
+                                      </p:to>
+                                    </p:set>
+                                  </p:childTnLst>
+                                </p:cTn>
+                              </p:par>
+                            </p:childTnLst>
+                          </p:cTn>
+                        </p:par>
+                      </p:childTnLst>
+                    </p:cTn>
+                  </p:par>
+                  <p:par>
+                    <p:cTn id="7" fill="hold">
+                      <p:stCondLst>
+                        <p:cond delay="indefinite"/>
+                      </p:stCondLst>
+                      <p:childTnLst>
+                        <p:par>
+                          <p:cTn id="8" fill="hold">
+                            <p:stCondLst>
+                              <p:cond delay="0"/>
+                            </p:stCondLst>
+                            <p:childTnLst>
+                              <p:par>
+                                <p:cTn id="9" presetID="1" presetClass="entr" presetSubtype="0" fill="hold" nodeType="clickEffect">
+                                  <p:stCondLst>
+                                    <p:cond delay="0"/>
+                                  </p:stCondLst>
+                                  <p:childTnLst>
+                                    <p:set>
+                                      <p:cBhvr>
+                                        <p:cTn id="10" dur="1" fill="hold">
+                                          <p:stCondLst>
+                                            <p:cond delay="0"/>
+                                          </p:stCondLst>
+                                        </p:cTn>
+                                        <p:tgtEl>
+                                          <p:spTgt spid="3">
+                                            <p:txEl>
+                                              <p:pRg st="1" end="1"/>
+                                            </p:txEl>
+                                          </p:spTgt>
+                                        </p:tgtEl>
+                                        <p:attrNameLst>
+                                          <p:attrName>style.visibility</p:attrName>
+                                        </p:attrNameLst>
+                                      </p:cBhvr>
+                                      <p:to>
+                                        <p:strVal val="visible"/>
+                                      </p:to>
+                                    </p:set>
+                                  </p:childTnLst>
+                                </p:cTn>
+                              </p:par>
+                            </p:childTnLst>
+                          </p:cTn>
+                        </p:par>
+                      </p:childTnLst>
+                    </p:cTn>
+                  </p:par>
+                  <p:par>
+                    <p:cTn id="11" fill="hold">
+                      <p:stCondLst>
+                        <p:cond delay="indefinite"/>
+                      </p:stCondLst>
+                      <p:childTnLst>
+                        <p:par>
+                          <p:cTn id="12" fill="hold">
+                            <p:stCondLst>
+                              <p:cond delay="0"/>
+                            </p:stCondLst>
+                            <p:childTnLst>
+                              <p:par>
+                                <p:cTn id="13" presetID="1" presetClass="entr" presetSubtype="0" fill="hold" nodeType="clickEffect">
+                                  <p:stCondLst>
+                                    <p:cond delay="0"/>
+                                  </p:stCondLst>
+                                  <p:childTnLst>
+                                    <p:set>
+                                      <p:cBhvr>
+                                        <p:cTn id="14" dur="1" fill="hold">
+                                          <p:stCondLst>
+                                            <p:cond delay="0"/>
+                                          </p:stCondLst>
+                                        </p:cTn>
+                                        <p:tgtEl>
+                                          <p:spTgt spid="3">
+                                            <p:txEl>
+                                              <p:pRg st="2" end="2"/>
+                                            </p:txEl>
+                                          </p:spTgt>
+                                        </p:tgtEl>
+                                        <p:attrNameLst>
+                                          <p:attrName>style.visibility</p:attrName>
+                                        </p:attrNameLst>
+                                      </p:cBhvr>
+                                      <p:to>
+                                        <p:strVal val="visible"/>
+                                      </p:to>
+                                    </p:set>
+                                  </p:childTnLst>
+                                </p:cTn>
+                              </p:par>
+                            </p:childTnLst>
+                          </p:cTn>
+                        </p:par>
+                      </p:childTnLst>
+                    </p:cTn>
+                  </p:par>
+                  <p:par>
+                    <p:cTn id="15" fill="hold">
+                      <p:stCondLst>
+                        <p:cond delay="indefinite"/>
+                      </p:stCondLst>
+                      <p:childTnLst>
+                        <p:par>
+                          <p:cTn id="16" fill="hold">
+                            <p:stCondLst>
+                              <p:cond delay="0"/>
+                            </p:stCondLst>
+                            <p:childTnLst>
+                              <p:par>
+                                <p:cTn id="17" presetID="1" presetClass="entr" presetSubtype="0" fill="hold" nodeType="clickEffect">
+                                  <p:stCondLst>
+                                    <p:cond delay="0"/>
+                                  </p:stCondLst>
+                                  <p:childTnLst>
+                                    <p:set>
+                                      <p:cBhvr>
+                                        <p:cTn id="18" dur="1" fill="hold">
+                                          <p:stCondLst>
+                                            <p:cond delay="0"/>
+                                          </p:stCondLst>
+                                        </p:cTn>
+                                        <p:tgtEl>
+                                          <p:spTgt spid="3">
+                                            <p:txEl>
+                                              <p:pRg st="3" end="3"/>
+                                            </p:txEl>
+                                          </p:spTgt>
+                                        </p:tgtEl>
+                                        <p:attrNameLst>
+                                          <p:attrName>style.visibility</p:attrName>
+                                        </p:attrNameLst>
+                                      </p:cBhvr>
+                                      <p:to>
+                                        <p:strVal val="visible"/>
+                                      </p:to>
+                                    </p:set>
+                                  </p:childTnLst>
+                                </p:cTn>
+                              </p:par>
+                            </p:childTnLst>
+                          </p:cTn>
+                        </p:par>
+                      </p:childTnLst>
+                    </p:cTn>
+                  </p:par>
+                </p:childTnLst>
+              </p:cTn>
+              <p:prevCondLst>
+                <p:cond evt="onPrev" delay="0">
+                  <p:tgtEl>
+                    <p:sldTgt/>
+                  </p:tgtEl>
+                </p:cond>
+              </p:prevCondLst>
+              <p:nextCondLst>
+                <p:cond evt="onNext" delay="0">
+                  <p:tgtEl>
+                    <p:sldTgt/>
+                  </p:tgtEl>
+                </p:cond>
+              </p:nextCondLst>
+            </p:seq>
+          </p:childTnLst>
+        </p:cTn>
+      </p:par>
+    </p:tnLst>
+  </p:timing>
 </p:sld>
 </file>
 

--- a/GesturePresentation.pptx
+++ b/GesturePresentation.pptx
@@ -14,6 +14,7 @@
     <p:sldId id="268" r:id="rId8"/>
     <p:sldId id="265" r:id="rId9"/>
     <p:sldId id="264" r:id="rId10"/>
+    <p:sldId id="270" r:id="rId11"/>
   </p:sldIdLst>
   <p:sldSz cx="12192000" cy="6858000"/>
   <p:notesSz cx="6858000" cy="9144000"/>
@@ -126,6 +127,7 @@
             <p14:sldId id="268"/>
             <p14:sldId id="265"/>
             <p14:sldId id="264"/>
+            <p14:sldId id="270"/>
           </p14:sldIdLst>
         </p14:section>
       </p14:sectionLst>
@@ -325,7 +327,7 @@
           <a:p>
             <a:fld id="{F849F088-AD06-4498-9BA6-D5DDC9DE9DD1}" type="datetimeFigureOut">
               <a:rPr lang="en-IE" smtClean="0"/>
-              <a:t>05/04/2019</a:t>
+              <a:t>09/04/2019</a:t>
             </a:fld>
             <a:endParaRPr lang="en-IE"/>
           </a:p>
@@ -663,7 +665,7 @@
           <a:p>
             <a:fld id="{F849F088-AD06-4498-9BA6-D5DDC9DE9DD1}" type="datetimeFigureOut">
               <a:rPr lang="en-IE" smtClean="0"/>
-              <a:t>05/04/2019</a:t>
+              <a:t>09/04/2019</a:t>
             </a:fld>
             <a:endParaRPr lang="en-IE"/>
           </a:p>
@@ -1064,7 +1066,7 @@
           <a:p>
             <a:fld id="{F849F088-AD06-4498-9BA6-D5DDC9DE9DD1}" type="datetimeFigureOut">
               <a:rPr lang="en-IE" smtClean="0"/>
-              <a:t>05/04/2019</a:t>
+              <a:t>09/04/2019</a:t>
             </a:fld>
             <a:endParaRPr lang="en-IE"/>
           </a:p>
@@ -1400,7 +1402,7 @@
           <a:p>
             <a:fld id="{F849F088-AD06-4498-9BA6-D5DDC9DE9DD1}" type="datetimeFigureOut">
               <a:rPr lang="en-IE" smtClean="0"/>
-              <a:t>05/04/2019</a:t>
+              <a:t>09/04/2019</a:t>
             </a:fld>
             <a:endParaRPr lang="en-IE"/>
           </a:p>
@@ -1720,7 +1722,7 @@
           <a:p>
             <a:fld id="{F849F088-AD06-4498-9BA6-D5DDC9DE9DD1}" type="datetimeFigureOut">
               <a:rPr lang="en-IE" smtClean="0"/>
-              <a:t>05/04/2019</a:t>
+              <a:t>09/04/2019</a:t>
             </a:fld>
             <a:endParaRPr lang="en-IE"/>
           </a:p>
@@ -2116,7 +2118,7 @@
           <a:p>
             <a:fld id="{F849F088-AD06-4498-9BA6-D5DDC9DE9DD1}" type="datetimeFigureOut">
               <a:rPr lang="en-IE" smtClean="0"/>
-              <a:t>05/04/2019</a:t>
+              <a:t>09/04/2019</a:t>
             </a:fld>
             <a:endParaRPr lang="en-IE"/>
           </a:p>
@@ -2373,7 +2375,7 @@
           <a:p>
             <a:fld id="{F849F088-AD06-4498-9BA6-D5DDC9DE9DD1}" type="datetimeFigureOut">
               <a:rPr lang="en-IE" smtClean="0"/>
-              <a:t>05/04/2019</a:t>
+              <a:t>09/04/2019</a:t>
             </a:fld>
             <a:endParaRPr lang="en-IE"/>
           </a:p>
@@ -2635,7 +2637,7 @@
           <a:p>
             <a:fld id="{F849F088-AD06-4498-9BA6-D5DDC9DE9DD1}" type="datetimeFigureOut">
               <a:rPr lang="en-IE" smtClean="0"/>
-              <a:t>05/04/2019</a:t>
+              <a:t>09/04/2019</a:t>
             </a:fld>
             <a:endParaRPr lang="en-IE"/>
           </a:p>
@@ -2897,7 +2899,7 @@
           <a:p>
             <a:fld id="{F849F088-AD06-4498-9BA6-D5DDC9DE9DD1}" type="datetimeFigureOut">
               <a:rPr lang="en-IE" smtClean="0"/>
-              <a:t>05/04/2019</a:t>
+              <a:t>09/04/2019</a:t>
             </a:fld>
             <a:endParaRPr lang="en-IE"/>
           </a:p>
@@ -3226,7 +3228,7 @@
           <a:p>
             <a:fld id="{F849F088-AD06-4498-9BA6-D5DDC9DE9DD1}" type="datetimeFigureOut">
               <a:rPr lang="en-IE" smtClean="0"/>
-              <a:t>05/04/2019</a:t>
+              <a:t>09/04/2019</a:t>
             </a:fld>
             <a:endParaRPr lang="en-IE"/>
           </a:p>
@@ -3549,7 +3551,7 @@
           <a:p>
             <a:fld id="{F849F088-AD06-4498-9BA6-D5DDC9DE9DD1}" type="datetimeFigureOut">
               <a:rPr lang="en-IE" smtClean="0"/>
-              <a:t>05/04/2019</a:t>
+              <a:t>09/04/2019</a:t>
             </a:fld>
             <a:endParaRPr lang="en-IE"/>
           </a:p>
@@ -4006,7 +4008,7 @@
           <a:p>
             <a:fld id="{F849F088-AD06-4498-9BA6-D5DDC9DE9DD1}" type="datetimeFigureOut">
               <a:rPr lang="en-IE" smtClean="0"/>
-              <a:t>05/04/2019</a:t>
+              <a:t>09/04/2019</a:t>
             </a:fld>
             <a:endParaRPr lang="en-IE"/>
           </a:p>
@@ -4211,7 +4213,7 @@
           <a:p>
             <a:fld id="{F849F088-AD06-4498-9BA6-D5DDC9DE9DD1}" type="datetimeFigureOut">
               <a:rPr lang="en-IE" smtClean="0"/>
-              <a:t>05/04/2019</a:t>
+              <a:t>09/04/2019</a:t>
             </a:fld>
             <a:endParaRPr lang="en-IE"/>
           </a:p>
@@ -4388,7 +4390,7 @@
           <a:p>
             <a:fld id="{F849F088-AD06-4498-9BA6-D5DDC9DE9DD1}" type="datetimeFigureOut">
               <a:rPr lang="en-IE" smtClean="0"/>
-              <a:t>05/04/2019</a:t>
+              <a:t>09/04/2019</a:t>
             </a:fld>
             <a:endParaRPr lang="en-IE"/>
           </a:p>
@@ -4721,7 +4723,7 @@
           <a:p>
             <a:fld id="{F849F088-AD06-4498-9BA6-D5DDC9DE9DD1}" type="datetimeFigureOut">
               <a:rPr lang="en-IE" smtClean="0"/>
-              <a:t>05/04/2019</a:t>
+              <a:t>09/04/2019</a:t>
             </a:fld>
             <a:endParaRPr lang="en-IE"/>
           </a:p>
@@ -5066,7 +5068,7 @@
           <a:p>
             <a:fld id="{F849F088-AD06-4498-9BA6-D5DDC9DE9DD1}" type="datetimeFigureOut">
               <a:rPr lang="en-IE" smtClean="0"/>
-              <a:t>05/04/2019</a:t>
+              <a:t>09/04/2019</a:t>
             </a:fld>
             <a:endParaRPr lang="en-IE"/>
           </a:p>
@@ -7183,7 +7185,7 @@
           <a:p>
             <a:fld id="{F849F088-AD06-4498-9BA6-D5DDC9DE9DD1}" type="datetimeFigureOut">
               <a:rPr lang="en-IE" smtClean="0"/>
-              <a:t>05/04/2019</a:t>
+              <a:t>09/04/2019</a:t>
             </a:fld>
             <a:endParaRPr lang="en-IE"/>
           </a:p>
@@ -10315,6 +10317,69 @@
 </p:sld>
 </file>
 
+<file path=ppt/slides/slide10.xml><?xml version="1.0" encoding="utf-8"?>
+<p:sld xmlns:a="http://schemas.openxmlformats.org/drawingml/2006/main" xmlns:r="http://schemas.openxmlformats.org/officeDocument/2006/relationships" xmlns:p="http://schemas.openxmlformats.org/presentationml/2006/main">
+  <p:cSld>
+    <p:spTree>
+      <p:nvGrpSpPr>
+        <p:cNvPr id="1" name=""/>
+        <p:cNvGrpSpPr/>
+        <p:nvPr/>
+      </p:nvGrpSpPr>
+      <p:grpSpPr>
+        <a:xfrm>
+          <a:off x="0" y="0"/>
+          <a:ext cx="0" cy="0"/>
+          <a:chOff x="0" y="0"/>
+          <a:chExt cx="0" cy="0"/>
+        </a:xfrm>
+      </p:grpSpPr>
+      <p:sp>
+        <p:nvSpPr>
+          <p:cNvPr id="2" name="Title 1">
+            <a:extLst>
+              <a:ext uri="{FF2B5EF4-FFF2-40B4-BE49-F238E27FC236}">
+                <a16:creationId xmlns:a16="http://schemas.microsoft.com/office/drawing/2014/main" id="{657D2635-1C05-498B-9BE7-CC53B88D2A67}"/>
+              </a:ext>
+            </a:extLst>
+          </p:cNvPr>
+          <p:cNvSpPr>
+            <a:spLocks noGrp="1"/>
+          </p:cNvSpPr>
+          <p:nvPr>
+            <p:ph type="title"/>
+          </p:nvPr>
+        </p:nvSpPr>
+        <p:spPr>
+          <a:xfrm>
+            <a:off x="5052040" y="2788555"/>
+            <a:ext cx="3186438" cy="1280890"/>
+          </a:xfrm>
+        </p:spPr>
+        <p:txBody>
+          <a:bodyPr/>
+          <a:lstStyle/>
+          <a:p>
+            <a:r>
+              <a:rPr lang="en-IE" dirty="0"/>
+              <a:t>Questions?</a:t>
+            </a:r>
+          </a:p>
+        </p:txBody>
+      </p:sp>
+    </p:spTree>
+    <p:extLst>
+      <p:ext uri="{BB962C8B-B14F-4D97-AF65-F5344CB8AC3E}">
+        <p14:creationId xmlns:p14="http://schemas.microsoft.com/office/powerpoint/2010/main" val="1556285984"/>
+      </p:ext>
+    </p:extLst>
+  </p:cSld>
+  <p:clrMapOvr>
+    <a:masterClrMapping/>
+  </p:clrMapOvr>
+</p:sld>
+</file>
+
 <file path=ppt/slides/slide2.xml><?xml version="1.0" encoding="utf-8"?>
 <p:sld xmlns:a="http://schemas.openxmlformats.org/drawingml/2006/main" xmlns:r="http://schemas.openxmlformats.org/officeDocument/2006/relationships" xmlns:p="http://schemas.openxmlformats.org/presentationml/2006/main">
   <p:cSld>
@@ -11557,7 +11622,7 @@
           <a:p>
             <a:r>
               <a:rPr lang="en-IE" dirty="0"/>
-              <a:t>Set up game environment </a:t>
+              <a:t>Set up game environment in unity</a:t>
             </a:r>
           </a:p>
           <a:p>
